--- a/practice_github_advanced/fig/slide.pptx
+++ b/practice_github_advanced/fig/slide.pptx
@@ -2005,14 +2005,14 @@
           <a:lstStyle/>
           <a:p>
             <a:r>
-              <a:rPr lang="ja-JP" altLang="en-US"/>
+              <a:rPr lang="ja-JP" altLang="en-US" dirty="0"/>
               <a:t>課題</a:t>
             </a:r>
             <a:r>
-              <a:rPr lang="en-US" altLang="ja-JP"/>
+              <a:rPr lang="en-US" altLang="ja-JP" dirty="0"/>
               <a:t>1 - Step 2</a:t>
             </a:r>
-            <a:endParaRPr kumimoji="1" lang="ja-JP" altLang="en-US"/>
+            <a:endParaRPr kumimoji="1" lang="ja-JP" altLang="en-US" dirty="0"/>
           </a:p>
         </p:txBody>
       </p:sp>
@@ -2297,7 +2297,15 @@
           <a:bodyPr/>
           <a:lstStyle/>
           <a:p>
-            <a:endParaRPr kumimoji="1" lang="ja-JP" altLang="en-US"/>
+            <a:r>
+              <a:rPr lang="ja-JP" altLang="en-US" dirty="0"/>
+              <a:t>課題</a:t>
+            </a:r>
+            <a:r>
+              <a:rPr lang="en-US" altLang="ja-JP" dirty="0"/>
+              <a:t>1 - Step 2</a:t>
+            </a:r>
+            <a:endParaRPr kumimoji="1" lang="ja-JP" altLang="en-US" dirty="0"/>
           </a:p>
         </p:txBody>
       </p:sp>
@@ -3913,7 +3921,7 @@
         </p:blipFill>
         <p:spPr>
           <a:xfrm>
-            <a:off x="539552" y="1989982"/>
+            <a:off x="1619672" y="1916832"/>
             <a:ext cx="5760640" cy="4868018"/>
           </a:xfrm>
           <a:prstGeom prst="rect">
@@ -3977,7 +3985,7 @@
         </p:nvSpPr>
         <p:spPr>
           <a:xfrm>
-            <a:off x="2699792" y="2987660"/>
+            <a:off x="3779912" y="2914510"/>
             <a:ext cx="504056" cy="576064"/>
           </a:xfrm>
           <a:prstGeom prst="roundRect">
@@ -4031,7 +4039,7 @@
         </p:nvSpPr>
         <p:spPr>
           <a:xfrm>
-            <a:off x="3779912" y="2339588"/>
+            <a:off x="4860032" y="2266438"/>
             <a:ext cx="1107996" cy="369332"/>
           </a:xfrm>
           <a:prstGeom prst="rect">
@@ -4071,7 +4079,7 @@
         </p:nvCxnSpPr>
         <p:spPr>
           <a:xfrm rot="5400000">
-            <a:off x="3485493" y="2427275"/>
+            <a:off x="4565613" y="2354125"/>
             <a:ext cx="566772" cy="1130062"/>
           </a:xfrm>
           <a:prstGeom prst="bentConnector2">
@@ -5385,7 +5393,7 @@
         <p:spPr>
           <a:xfrm>
             <a:off x="323528" y="1556792"/>
-            <a:ext cx="8352928" cy="830997"/>
+            <a:ext cx="8352928" cy="1200329"/>
           </a:xfrm>
           <a:prstGeom prst="rect">
             <a:avLst/>
@@ -5403,25 +5411,39 @@
               <a:buChar char="•"/>
             </a:pPr>
             <a:r>
-              <a:rPr kumimoji="1" lang="en-US" altLang="ja-JP" sz="2400"/>
-              <a:t>MNIST</a:t>
-            </a:r>
-            <a:r>
-              <a:rPr kumimoji="1" lang="ja-JP" altLang="en-US" sz="2400"/>
-              <a:t>の学習済みモデルをウェブで試す</a:t>
-            </a:r>
-            <a:endParaRPr lang="en-US" altLang="ja-JP" sz="2400"/>
-          </a:p>
-          <a:p>
-            <a:pPr marL="342900" indent="-342900">
+              <a:rPr kumimoji="1" lang="en-US" altLang="ja-JP" sz="2400" dirty="0"/>
+              <a:t>GitHub Pages</a:t>
+            </a:r>
+            <a:r>
+              <a:rPr kumimoji="1" lang="ja-JP" altLang="en-US" sz="2400" dirty="0"/>
+              <a:t>を使ってウェブサイトを公開する</a:t>
+            </a:r>
+            <a:endParaRPr kumimoji="1" lang="en-US" altLang="ja-JP" sz="2400" dirty="0"/>
+          </a:p>
+          <a:p>
+            <a:pPr marL="800100" lvl="1" indent="-342900">
               <a:buFont typeface="Arial" panose="020B0604020202020204" pitchFamily="34" charset="0"/>
               <a:buChar char="•"/>
             </a:pPr>
             <a:r>
-              <a:rPr kumimoji="1" lang="ja-JP" altLang="en-US" sz="2400"/>
-              <a:t>簡単なゲーム作成</a:t>
-            </a:r>
-            <a:endParaRPr kumimoji="1" lang="ja-JP" altLang="en-US" sz="2400" dirty="0"/>
+              <a:rPr kumimoji="1" lang="en-US" altLang="ja-JP" sz="2400" dirty="0"/>
+              <a:t>MNIST</a:t>
+            </a:r>
+            <a:r>
+              <a:rPr kumimoji="1" lang="ja-JP" altLang="en-US" sz="2400" dirty="0"/>
+              <a:t>の学習済みモデルをウェブで試す</a:t>
+            </a:r>
+            <a:endParaRPr lang="en-US" altLang="ja-JP" sz="2400" dirty="0"/>
+          </a:p>
+          <a:p>
+            <a:pPr marL="800100" lvl="1" indent="-342900">
+              <a:buFont typeface="Arial" panose="020B0604020202020204" pitchFamily="34" charset="0"/>
+              <a:buChar char="•"/>
+            </a:pPr>
+            <a:r>
+              <a:rPr kumimoji="1" lang="ja-JP" altLang="en-US" sz="2400" dirty="0"/>
+              <a:t>簡単なブラウザゲームを作る</a:t>
+            </a:r>
           </a:p>
         </p:txBody>
       </p:sp>
@@ -6320,7 +6342,7 @@
         <p:spPr>
           <a:xfrm>
             <a:off x="251520" y="1916832"/>
-            <a:ext cx="8496944" cy="1015663"/>
+            <a:ext cx="8496944" cy="1323439"/>
           </a:xfrm>
           <a:prstGeom prst="rect">
             <a:avLst/>
@@ -6339,7 +6361,7 @@
           <a:lstStyle/>
           <a:p>
             <a:r>
-              <a:rPr lang="en-US" altLang="ja-JP" sz="2000">
+              <a:rPr lang="en-US" altLang="ja-JP" sz="2000" dirty="0">
                 <a:latin typeface="Consolas" panose="020B0609020204030204" pitchFamily="49" charset="0"/>
               </a:rPr>
               <a:t>cd</a:t>
@@ -6347,28 +6369,78 @@
           </a:p>
           <a:p>
             <a:r>
-              <a:rPr lang="en-US" altLang="ja-JP" sz="2000">
+              <a:rPr lang="en-US" altLang="ja-JP" sz="2000" dirty="0">
                 <a:latin typeface="Consolas" panose="020B0609020204030204" pitchFamily="49" charset="0"/>
               </a:rPr>
-              <a:t>cd github</a:t>
-            </a:r>
-          </a:p>
-          <a:p>
-            <a:r>
-              <a:rPr lang="en-US" altLang="ja-JP" sz="2000">
+              <a:t>cd </a:t>
+            </a:r>
+            <a:r>
+              <a:rPr lang="en-US" altLang="ja-JP" sz="2000" dirty="0" err="1">
+                <a:latin typeface="Consolas" panose="020B0609020204030204" pitchFamily="49" charset="0"/>
+              </a:rPr>
+              <a:t>github</a:t>
+            </a:r>
+            <a:endParaRPr lang="en-US" altLang="ja-JP" sz="2000" dirty="0">
+              <a:latin typeface="Consolas" panose="020B0609020204030204" pitchFamily="49" charset="0"/>
+            </a:endParaRPr>
+          </a:p>
+          <a:p>
+            <a:r>
+              <a:rPr lang="en-US" altLang="ja-JP" sz="2000" dirty="0">
                 <a:latin typeface="Consolas" panose="020B0609020204030204" pitchFamily="49" charset="0"/>
               </a:rPr>
               <a:t>git clone </a:t>
             </a:r>
             <a:r>
-              <a:rPr lang="en-US" altLang="ja-JP" sz="2000">
+              <a:rPr lang="en-US" altLang="ja-JP" sz="2000" dirty="0" err="1">
                 <a:solidFill>
                   <a:srgbClr val="FF0000"/>
                 </a:solidFill>
                 <a:latin typeface="Consolas" panose="020B0609020204030204" pitchFamily="49" charset="0"/>
               </a:rPr>
-              <a:t>git@github.com:github-watanabe/tyrano_sample.git</a:t>
-            </a:r>
+              <a:t>git@github.com:github-watanabe</a:t>
+            </a:r>
+            <a:r>
+              <a:rPr lang="en-US" altLang="ja-JP" sz="2000" dirty="0">
+                <a:solidFill>
+                  <a:srgbClr val="FF0000"/>
+                </a:solidFill>
+                <a:latin typeface="Consolas" panose="020B0609020204030204" pitchFamily="49" charset="0"/>
+              </a:rPr>
+              <a:t>/</a:t>
+            </a:r>
+            <a:r>
+              <a:rPr lang="en-US" altLang="ja-JP" sz="2000" dirty="0" err="1">
+                <a:solidFill>
+                  <a:srgbClr val="FF0000"/>
+                </a:solidFill>
+                <a:latin typeface="Consolas" panose="020B0609020204030204" pitchFamily="49" charset="0"/>
+              </a:rPr>
+              <a:t>tyrano_sample.git</a:t>
+            </a:r>
+            <a:endParaRPr lang="en-US" altLang="ja-JP" sz="2000" dirty="0">
+              <a:solidFill>
+                <a:srgbClr val="FF0000"/>
+              </a:solidFill>
+              <a:latin typeface="Consolas" panose="020B0609020204030204" pitchFamily="49" charset="0"/>
+            </a:endParaRPr>
+          </a:p>
+          <a:p>
+            <a:r>
+              <a:rPr lang="en-US" altLang="ja-JP" sz="2000" dirty="0">
+                <a:latin typeface="Consolas" panose="020B0609020204030204" pitchFamily="49" charset="0"/>
+              </a:rPr>
+              <a:t>cd </a:t>
+            </a:r>
+            <a:r>
+              <a:rPr lang="en-US" altLang="ja-JP" sz="2000" dirty="0" err="1">
+                <a:latin typeface="Consolas" panose="020B0609020204030204" pitchFamily="49" charset="0"/>
+              </a:rPr>
+              <a:t>tyrano_sample</a:t>
+            </a:r>
+            <a:endParaRPr lang="en-US" altLang="ja-JP" sz="2000" dirty="0">
+              <a:latin typeface="Consolas" panose="020B0609020204030204" pitchFamily="49" charset="0"/>
+            </a:endParaRPr>
           </a:p>
         </p:txBody>
       </p:sp>
@@ -6425,7 +6497,7 @@
         </p:nvSpPr>
         <p:spPr>
           <a:xfrm>
-            <a:off x="1475656" y="3068960"/>
+            <a:off x="1675289" y="3861048"/>
             <a:ext cx="7468711" cy="369332"/>
           </a:xfrm>
           <a:prstGeom prst="rect">
@@ -6454,6 +6526,49 @@
           </a:p>
         </p:txBody>
       </p:sp>
+      <p:cxnSp>
+        <p:nvCxnSpPr>
+          <p:cNvPr id="7" name="直線矢印コネクタ 6">
+            <a:extLst>
+              <a:ext uri="{FF2B5EF4-FFF2-40B4-BE49-F238E27FC236}">
+                <a16:creationId xmlns:a16="http://schemas.microsoft.com/office/drawing/2014/main" id="{1996A328-0833-0159-7F3F-19099274D116}"/>
+              </a:ext>
+            </a:extLst>
+          </p:cNvPr>
+          <p:cNvCxnSpPr/>
+          <p:nvPr/>
+        </p:nvCxnSpPr>
+        <p:spPr>
+          <a:xfrm flipV="1">
+            <a:off x="5220072" y="2924944"/>
+            <a:ext cx="0" cy="864096"/>
+          </a:xfrm>
+          <a:prstGeom prst="straightConnector1">
+            <a:avLst/>
+          </a:prstGeom>
+          <a:ln>
+            <a:solidFill>
+              <a:schemeClr val="tx1"/>
+            </a:solidFill>
+            <a:headEnd type="none" w="med" len="med"/>
+            <a:tailEnd type="triangle"/>
+          </a:ln>
+        </p:spPr>
+        <p:style>
+          <a:lnRef idx="1">
+            <a:schemeClr val="accent1"/>
+          </a:lnRef>
+          <a:fillRef idx="0">
+            <a:schemeClr val="accent1"/>
+          </a:fillRef>
+          <a:effectRef idx="0">
+            <a:schemeClr val="accent1"/>
+          </a:effectRef>
+          <a:fontRef idx="minor">
+            <a:schemeClr val="tx1"/>
+          </a:fontRef>
+        </p:style>
+      </p:cxnSp>
     </p:spTree>
     <p:extLst>
       <p:ext uri="{BB962C8B-B14F-4D97-AF65-F5344CB8AC3E}">
@@ -6536,7 +6651,7 @@
         <p:spPr>
           <a:xfrm>
             <a:off x="179512" y="1196752"/>
-            <a:ext cx="8436925" cy="461665"/>
+            <a:ext cx="8292655" cy="400110"/>
           </a:xfrm>
           <a:prstGeom prst="rect">
             <a:avLst/>
@@ -6550,30 +6665,34 @@
           <a:lstStyle/>
           <a:p>
             <a:r>
-              <a:rPr kumimoji="1" lang="en-US" altLang="ja-JP" sz="2000"/>
+              <a:rPr kumimoji="1" lang="en-US" altLang="ja-JP" sz="2000" dirty="0"/>
               <a:t>VS Code</a:t>
             </a:r>
             <a:r>
-              <a:rPr kumimoji="1" lang="ja-JP" altLang="en-US" sz="2000"/>
+              <a:rPr kumimoji="1" lang="ja-JP" altLang="en-US" sz="2000" dirty="0"/>
               <a:t>の「フォルダーを開く」で「</a:t>
             </a:r>
             <a:r>
-              <a:rPr lang="en-US" altLang="ja-JP" sz="2000"/>
-              <a:t>/z/github/</a:t>
-            </a:r>
-            <a:r>
-              <a:rPr lang="en-US" altLang="ja-JP" sz="2400"/>
-              <a:t>tyrano</a:t>
-            </a:r>
-            <a:r>
-              <a:rPr lang="en-US" altLang="ja-JP" sz="2000"/>
-              <a:t>_sample</a:t>
-            </a:r>
-            <a:r>
-              <a:rPr lang="ja-JP" altLang="en-US" sz="2000"/>
+              <a:rPr lang="en-US" altLang="ja-JP" sz="2000" dirty="0"/>
+              <a:t>/z/</a:t>
+            </a:r>
+            <a:r>
+              <a:rPr lang="en-US" altLang="ja-JP" sz="2000" dirty="0" err="1"/>
+              <a:t>github</a:t>
+            </a:r>
+            <a:r>
+              <a:rPr lang="en-US" altLang="ja-JP" sz="2000" dirty="0"/>
+              <a:t>/</a:t>
+            </a:r>
+            <a:r>
+              <a:rPr lang="en-US" altLang="ja-JP" sz="2000" dirty="0" err="1"/>
+              <a:t>tyrano_sample</a:t>
+            </a:r>
+            <a:r>
+              <a:rPr lang="ja-JP" altLang="en-US" sz="2000" dirty="0"/>
               <a:t>」を開く</a:t>
             </a:r>
-            <a:endParaRPr kumimoji="1" lang="ja-JP" altLang="en-US" sz="2000"/>
+            <a:endParaRPr kumimoji="1" lang="ja-JP" altLang="en-US" sz="2000" dirty="0"/>
           </a:p>
         </p:txBody>
       </p:sp>
@@ -8936,8 +9055,8 @@
         </p:nvSpPr>
         <p:spPr>
           <a:xfrm>
-            <a:off x="179512" y="1124744"/>
-            <a:ext cx="7571303" cy="584775"/>
+            <a:off x="1331640" y="980728"/>
+            <a:ext cx="5724644" cy="461665"/>
           </a:xfrm>
           <a:prstGeom prst="rect">
             <a:avLst/>
@@ -8951,10 +9070,10 @@
           <a:lstStyle/>
           <a:p>
             <a:r>
-              <a:rPr lang="ja-JP" altLang="en-US" sz="3200"/>
+              <a:rPr lang="ja-JP" altLang="en-US" sz="2400" dirty="0"/>
               <a:t>ブラウザが開いてゲームができれば成功</a:t>
             </a:r>
-            <a:endParaRPr kumimoji="1" lang="ja-JP" altLang="en-US" sz="3200"/>
+            <a:endParaRPr kumimoji="1" lang="ja-JP" altLang="en-US" sz="2400" dirty="0"/>
           </a:p>
         </p:txBody>
       </p:sp>
@@ -8980,7 +9099,7 @@
         </p:blipFill>
         <p:spPr>
           <a:xfrm>
-            <a:off x="251520" y="1844824"/>
+            <a:off x="611560" y="1412776"/>
             <a:ext cx="7488832" cy="4836537"/>
           </a:xfrm>
           <a:prstGeom prst="rect">
@@ -8988,6 +9107,42 @@
           </a:prstGeom>
         </p:spPr>
       </p:pic>
+      <p:sp>
+        <p:nvSpPr>
+          <p:cNvPr id="3" name="テキスト ボックス 2">
+            <a:extLst>
+              <a:ext uri="{FF2B5EF4-FFF2-40B4-BE49-F238E27FC236}">
+                <a16:creationId xmlns:a16="http://schemas.microsoft.com/office/drawing/2014/main" id="{85C61F87-F191-6B9D-EBDD-0BBE98F5A75E}"/>
+              </a:ext>
+            </a:extLst>
+          </p:cNvPr>
+          <p:cNvSpPr txBox="1"/>
+          <p:nvPr/>
+        </p:nvSpPr>
+        <p:spPr>
+          <a:xfrm>
+            <a:off x="2195736" y="6309320"/>
+            <a:ext cx="4570482" cy="369332"/>
+          </a:xfrm>
+          <a:prstGeom prst="rect">
+            <a:avLst/>
+          </a:prstGeom>
+          <a:noFill/>
+        </p:spPr>
+        <p:txBody>
+          <a:bodyPr wrap="none" rtlCol="0">
+            <a:spAutoFit/>
+          </a:bodyPr>
+          <a:lstStyle/>
+          <a:p>
+            <a:r>
+              <a:rPr lang="ja-JP" altLang="en-US" dirty="0"/>
+              <a:t>このタブはデバッグに使うので閉じない事</a:t>
+            </a:r>
+            <a:endParaRPr kumimoji="1" lang="ja-JP" altLang="en-US" dirty="0"/>
+          </a:p>
+        </p:txBody>
+      </p:sp>
     </p:spTree>
     <p:extLst>
       <p:ext uri="{BB962C8B-B14F-4D97-AF65-F5344CB8AC3E}">
@@ -10329,7 +10484,7 @@
         <p:spPr>
           <a:xfrm>
             <a:off x="218088" y="1268760"/>
-            <a:ext cx="7569701" cy="1569660"/>
+            <a:ext cx="7689926" cy="2308324"/>
           </a:xfrm>
           <a:prstGeom prst="rect">
             <a:avLst/>
@@ -10342,55 +10497,101 @@
           </a:bodyPr>
           <a:lstStyle/>
           <a:p>
-            <a:r>
-              <a:rPr kumimoji="1" lang="en-US" altLang="ja-JP" sz="2400"/>
-              <a:t>1. first.ks</a:t>
-            </a:r>
-            <a:r>
-              <a:rPr lang="ja-JP" altLang="en-US" sz="2400"/>
+            <a:pPr marL="457200" indent="-457200">
+              <a:buAutoNum type="arabicPeriod"/>
+            </a:pPr>
+            <a:r>
+              <a:rPr kumimoji="1" lang="en-US" altLang="ja-JP" sz="2400" dirty="0" err="1"/>
+              <a:t>first.ks</a:t>
+            </a:r>
+            <a:r>
+              <a:rPr lang="ja-JP" altLang="en-US" sz="2400" dirty="0"/>
               <a:t>を書き換えてオリジナルのゲームを作成する</a:t>
             </a:r>
-            <a:endParaRPr lang="en-US" altLang="ja-JP" sz="2400"/>
-          </a:p>
-          <a:p>
-            <a:r>
-              <a:rPr kumimoji="1" lang="en-US" altLang="ja-JP" sz="2400"/>
-              <a:t>2. </a:t>
-            </a:r>
-            <a:r>
-              <a:rPr kumimoji="1" lang="ja-JP" altLang="en-US" sz="2400"/>
+            <a:br>
+              <a:rPr lang="en-US" altLang="ja-JP" sz="2400" dirty="0"/>
+            </a:br>
+            <a:r>
+              <a:rPr lang="en-US" altLang="ja-JP" sz="2400" dirty="0"/>
+              <a:t>(</a:t>
+            </a:r>
+            <a:r>
+              <a:rPr lang="ja-JP" altLang="en-US" sz="2400" dirty="0"/>
+              <a:t>必要に応じて画像等も追加してよい</a:t>
+            </a:r>
+            <a:r>
+              <a:rPr lang="en-US" altLang="ja-JP" sz="2400" dirty="0"/>
+              <a:t>)</a:t>
+            </a:r>
+          </a:p>
+          <a:p>
+            <a:pPr marL="457200" indent="-457200">
+              <a:buAutoNum type="arabicPeriod"/>
+            </a:pPr>
+            <a:r>
+              <a:rPr kumimoji="1" lang="ja-JP" altLang="en-US" sz="2400" dirty="0"/>
               <a:t>ローカル</a:t>
             </a:r>
             <a:r>
-              <a:rPr kumimoji="1" lang="en-US" altLang="ja-JP" sz="2400"/>
+              <a:rPr kumimoji="1" lang="en-US" altLang="ja-JP" sz="2400" dirty="0"/>
               <a:t>(Live Server)</a:t>
             </a:r>
             <a:r>
-              <a:rPr kumimoji="1" lang="ja-JP" altLang="en-US" sz="2400"/>
+              <a:rPr kumimoji="1" lang="ja-JP" altLang="en-US" sz="2400" dirty="0"/>
               <a:t>で動作確認する</a:t>
             </a:r>
-            <a:endParaRPr kumimoji="1" lang="en-US" altLang="ja-JP" sz="2400"/>
-          </a:p>
-          <a:p>
-            <a:r>
-              <a:rPr lang="en-US" altLang="ja-JP" sz="2400"/>
-              <a:t>3. git add, commit, push</a:t>
-            </a:r>
-            <a:r>
-              <a:rPr lang="ja-JP" altLang="en-US" sz="2400"/>
+            <a:endParaRPr lang="en-US" altLang="ja-JP" sz="2400" dirty="0"/>
+          </a:p>
+          <a:p>
+            <a:pPr marL="457200" indent="-457200">
+              <a:buAutoNum type="arabicPeriod"/>
+            </a:pPr>
+            <a:r>
+              <a:rPr lang="en-US" altLang="ja-JP" sz="2400" dirty="0"/>
+              <a:t>git add, commit, push</a:t>
+            </a:r>
+            <a:r>
+              <a:rPr lang="ja-JP" altLang="en-US" sz="2400" dirty="0"/>
               <a:t>する</a:t>
             </a:r>
-            <a:endParaRPr lang="en-US" altLang="ja-JP" sz="2400"/>
-          </a:p>
-          <a:p>
-            <a:r>
-              <a:rPr kumimoji="1" lang="en-US" altLang="ja-JP" sz="2400"/>
-              <a:t>4. GitHub Pages</a:t>
-            </a:r>
-            <a:r>
-              <a:rPr kumimoji="1" lang="ja-JP" altLang="en-US" sz="2400"/>
+            <a:endParaRPr lang="en-US" altLang="ja-JP" sz="2400" dirty="0"/>
+          </a:p>
+          <a:p>
+            <a:pPr marL="457200" indent="-457200">
+              <a:buAutoNum type="arabicPeriod"/>
+            </a:pPr>
+            <a:r>
+              <a:rPr kumimoji="1" lang="en-US" altLang="ja-JP" sz="2400" dirty="0"/>
+              <a:t>GitHub Pages</a:t>
+            </a:r>
+            <a:r>
+              <a:rPr kumimoji="1" lang="ja-JP" altLang="en-US" sz="2400" dirty="0"/>
               <a:t>で動作確認する</a:t>
             </a:r>
+            <a:br>
+              <a:rPr kumimoji="1" lang="en-US" altLang="ja-JP" sz="2400" dirty="0"/>
+            </a:br>
+            <a:r>
+              <a:rPr kumimoji="1" lang="en-US" altLang="ja-JP" sz="2400" dirty="0"/>
+              <a:t>(</a:t>
+            </a:r>
+            <a:r>
+              <a:rPr kumimoji="1" lang="ja-JP" altLang="en-US" sz="2400" dirty="0"/>
+              <a:t>最後に</a:t>
+            </a:r>
+            <a:r>
+              <a:rPr kumimoji="1" lang="en-US" altLang="ja-JP" sz="2400" dirty="0"/>
+              <a:t>push</a:t>
+            </a:r>
+            <a:r>
+              <a:rPr kumimoji="1" lang="ja-JP" altLang="en-US" sz="2400" dirty="0"/>
+              <a:t>してから反映されるまでに数分かかる</a:t>
+            </a:r>
+            <a:r>
+              <a:rPr kumimoji="1" lang="en-US" altLang="ja-JP" sz="2400" dirty="0"/>
+              <a:t>)</a:t>
+            </a:r>
+            <a:endParaRPr kumimoji="1" lang="ja-JP" altLang="en-US" sz="2400" dirty="0"/>
           </a:p>
         </p:txBody>
       </p:sp>
@@ -10408,7 +10609,7 @@
         </p:nvSpPr>
         <p:spPr>
           <a:xfrm>
-            <a:off x="467544" y="3645024"/>
+            <a:off x="611560" y="4365104"/>
             <a:ext cx="7992888" cy="523220"/>
           </a:xfrm>
           <a:prstGeom prst="rect">
@@ -10443,7 +10644,7 @@
         </p:nvSpPr>
         <p:spPr>
           <a:xfrm>
-            <a:off x="179512" y="2924944"/>
+            <a:off x="251520" y="3717032"/>
             <a:ext cx="6186309" cy="646331"/>
           </a:xfrm>
           <a:prstGeom prst="rect">
@@ -10458,18 +10659,18 @@
           <a:lstStyle/>
           <a:p>
             <a:r>
-              <a:rPr kumimoji="1" lang="ja-JP" altLang="en-US" sz="3600"/>
+              <a:rPr kumimoji="1" lang="ja-JP" altLang="en-US" sz="3600" dirty="0"/>
               <a:t>以下の</a:t>
             </a:r>
             <a:r>
-              <a:rPr lang="en-US" altLang="ja-JP" sz="3600"/>
+              <a:rPr lang="en-US" altLang="ja-JP" sz="3600" dirty="0"/>
               <a:t>URL</a:t>
             </a:r>
             <a:r>
-              <a:rPr lang="ja-JP" altLang="en-US" sz="3600"/>
+              <a:rPr lang="ja-JP" altLang="en-US" sz="3600" dirty="0"/>
               <a:t>をレポートに提出</a:t>
             </a:r>
-            <a:endParaRPr kumimoji="1" lang="ja-JP" altLang="en-US" sz="3600"/>
+            <a:endParaRPr kumimoji="1" lang="ja-JP" altLang="en-US" sz="3600" dirty="0"/>
           </a:p>
         </p:txBody>
       </p:sp>
@@ -10487,8 +10688,8 @@
         </p:nvSpPr>
         <p:spPr>
           <a:xfrm>
-            <a:off x="107504" y="5229200"/>
-            <a:ext cx="8640960" cy="1169551"/>
+            <a:off x="107504" y="5517232"/>
+            <a:ext cx="8280920" cy="1169551"/>
           </a:xfrm>
           <a:prstGeom prst="rect">
             <a:avLst/>
@@ -10506,8 +10707,8 @@
               <a:buChar char="•"/>
             </a:pPr>
             <a:r>
-              <a:rPr lang="ja-JP" altLang="en-US" sz="1400"/>
-              <a:t>公序良俗に反するような内容にしてはならない</a:t>
+              <a:rPr lang="ja-JP" altLang="en-US" sz="1400" dirty="0"/>
+              <a:t>公序良俗に反するような内容にしてはならない。</a:t>
             </a:r>
           </a:p>
           <a:p>
@@ -10516,20 +10717,20 @@
               <a:buChar char="•"/>
             </a:pPr>
             <a:r>
-              <a:rPr lang="en-US" altLang="ja-JP" sz="1400"/>
+              <a:rPr lang="en-US" altLang="ja-JP" sz="1400" dirty="0"/>
               <a:t>(</a:t>
             </a:r>
             <a:r>
-              <a:rPr lang="ja-JP" altLang="en-US" sz="1400"/>
+              <a:rPr lang="ja-JP" altLang="en-US" sz="1400" dirty="0"/>
               <a:t>たとえ友人であっても</a:t>
             </a:r>
             <a:r>
-              <a:rPr lang="en-US" altLang="ja-JP" sz="1400"/>
+              <a:rPr lang="en-US" altLang="ja-JP" sz="1400" dirty="0"/>
               <a:t>)</a:t>
             </a:r>
             <a:r>
-              <a:rPr lang="ja-JP" altLang="en-US" sz="1400"/>
-              <a:t>特定個人を揶揄するような内容にしてはならない。有名人も題材としない</a:t>
+              <a:rPr lang="ja-JP" altLang="en-US" sz="1400" dirty="0"/>
+              <a:t>特定個人を揶揄するような内容にしてはならない。有名人も題材としない。</a:t>
             </a:r>
           </a:p>
           <a:p>
@@ -10538,33 +10739,10 @@
               <a:buChar char="•"/>
             </a:pPr>
             <a:r>
-              <a:rPr lang="ja-JP" altLang="en-US" sz="1400"/>
-              <a:t>画像を用いる場合は、ライセンスとして問題ないものを利用する</a:t>
-            </a:r>
-            <a:r>
-              <a:rPr lang="en-US" altLang="ja-JP" sz="1400"/>
-              <a:t>(</a:t>
-            </a:r>
-            <a:r>
-              <a:rPr lang="ja-JP" altLang="en-US" sz="1400"/>
-              <a:t>例えば</a:t>
-            </a:r>
-            <a:r>
-              <a:rPr lang="en-US" altLang="ja-JP" sz="1400"/>
-              <a:t>Pexels</a:t>
-            </a:r>
-            <a:r>
-              <a:rPr lang="ja-JP" altLang="en-US" sz="1400"/>
-              <a:t>の画像を利用するなど</a:t>
-            </a:r>
-            <a:r>
-              <a:rPr lang="en-US" altLang="ja-JP" sz="1400"/>
-              <a:t>)</a:t>
-            </a:r>
-            <a:r>
-              <a:rPr lang="ja-JP" altLang="en-US" sz="1400"/>
-              <a:t>。</a:t>
-            </a:r>
+              <a:rPr lang="ja-JP" altLang="en-US" sz="1400" dirty="0"/>
+              <a:t>画像を用いる場合は、ライセンスとして問題ないものを利用する。</a:t>
+            </a:r>
+            <a:endParaRPr lang="en-US" altLang="ja-JP" sz="1400" dirty="0"/>
           </a:p>
           <a:p>
             <a:pPr marL="285750" indent="-285750">
@@ -10572,8 +10750,8 @@
               <a:buChar char="•"/>
             </a:pPr>
             <a:r>
-              <a:rPr lang="ja-JP" altLang="en-US" sz="1400"/>
-              <a:t>面白い作品は別の場所で紹介する可能性があるため、紹介されたくない場合はその旨をレポートに明記すること</a:t>
+              <a:rPr lang="ja-JP" altLang="en-US" sz="1400" dirty="0"/>
+              <a:t>面白い作品は別の場所で紹介する可能性があるため、紹介されたくない場合はその旨をレポートに明記すること。</a:t>
             </a:r>
           </a:p>
         </p:txBody>
@@ -10592,7 +10770,7 @@
         </p:nvSpPr>
         <p:spPr>
           <a:xfrm>
-            <a:off x="5089" y="4725144"/>
+            <a:off x="0" y="5013176"/>
             <a:ext cx="1107996" cy="461665"/>
           </a:xfrm>
           <a:prstGeom prst="rect">

--- a/practice_github_advanced/fig/slide.pptx
+++ b/practice_github_advanced/fig/slide.pptx
@@ -5,7 +5,7 @@
     <p:sldMasterId id="2147483663" r:id="rId1"/>
   </p:sldMasterIdLst>
   <p:notesMasterIdLst>
-    <p:notesMasterId r:id="rId34"/>
+    <p:notesMasterId r:id="rId38"/>
   </p:notesMasterIdLst>
   <p:sldIdLst>
     <p:sldId id="256" r:id="rId2"/>
@@ -39,7 +39,11 @@
     <p:sldId id="420" r:id="rId30"/>
     <p:sldId id="421" r:id="rId31"/>
     <p:sldId id="422" r:id="rId32"/>
-    <p:sldId id="423" r:id="rId33"/>
+    <p:sldId id="440" r:id="rId33"/>
+    <p:sldId id="438" r:id="rId34"/>
+    <p:sldId id="439" r:id="rId35"/>
+    <p:sldId id="441" r:id="rId36"/>
+    <p:sldId id="423" r:id="rId37"/>
   </p:sldIdLst>
   <p:sldSz cx="9144000" cy="6858000" type="screen4x3"/>
   <p:notesSz cx="6858000" cy="9144000"/>
@@ -238,7 +242,7 @@
           </a:lstStyle>
           <a:p>
             <a:fld id="{6B8D1B20-A248-FB47-8240-73C0C5F47C9D}" type="datetimeFigureOut">
-              <a:t>2022/11/2</a:t>
+              <a:t>2022/11/12</a:t>
             </a:fld>
             <a:endParaRPr kumimoji="1" lang="ja-JP" altLang="en-US"/>
           </a:p>
@@ -679,6 +683,90 @@
 </p:notes>
 </file>
 
+<file path=ppt/notesSlides/notesSlide3.xml><?xml version="1.0" encoding="utf-8"?>
+<p:notes xmlns:a="http://schemas.openxmlformats.org/drawingml/2006/main" xmlns:r="http://schemas.openxmlformats.org/officeDocument/2006/relationships" xmlns:p="http://schemas.openxmlformats.org/presentationml/2006/main">
+  <p:cSld>
+    <p:spTree>
+      <p:nvGrpSpPr>
+        <p:cNvPr id="1" name=""/>
+        <p:cNvGrpSpPr/>
+        <p:nvPr/>
+      </p:nvGrpSpPr>
+      <p:grpSpPr>
+        <a:xfrm>
+          <a:off x="0" y="0"/>
+          <a:ext cx="0" cy="0"/>
+          <a:chOff x="0" y="0"/>
+          <a:chExt cx="0" cy="0"/>
+        </a:xfrm>
+      </p:grpSpPr>
+      <p:sp>
+        <p:nvSpPr>
+          <p:cNvPr id="2" name="スライド イメージ プレースホルダー 1"/>
+          <p:cNvSpPr>
+            <a:spLocks noGrp="1" noRot="1" noChangeAspect="1"/>
+          </p:cNvSpPr>
+          <p:nvPr>
+            <p:ph type="sldImg"/>
+          </p:nvPr>
+        </p:nvSpPr>
+        <p:spPr/>
+      </p:sp>
+      <p:sp>
+        <p:nvSpPr>
+          <p:cNvPr id="3" name="ノート プレースホルダー 2"/>
+          <p:cNvSpPr>
+            <a:spLocks noGrp="1"/>
+          </p:cNvSpPr>
+          <p:nvPr>
+            <p:ph type="body" idx="1"/>
+          </p:nvPr>
+        </p:nvSpPr>
+        <p:spPr/>
+        <p:txBody>
+          <a:bodyPr/>
+          <a:lstStyle/>
+          <a:p>
+            <a:endParaRPr kumimoji="1" lang="ja-JP" altLang="en-US"/>
+          </a:p>
+        </p:txBody>
+      </p:sp>
+      <p:sp>
+        <p:nvSpPr>
+          <p:cNvPr id="4" name="スライド番号プレースホルダー 3"/>
+          <p:cNvSpPr>
+            <a:spLocks noGrp="1"/>
+          </p:cNvSpPr>
+          <p:nvPr>
+            <p:ph type="sldNum" sz="quarter" idx="5"/>
+          </p:nvPr>
+        </p:nvSpPr>
+        <p:spPr/>
+        <p:txBody>
+          <a:bodyPr/>
+          <a:lstStyle/>
+          <a:p>
+            <a:fld id="{3DFA746F-AF1F-C048-A2ED-B38EF01E9631}" type="slidenum">
+              <a:rPr lang="en-US" altLang="ja-JP" smtClean="0"/>
+              <a:t>34</a:t>
+            </a:fld>
+            <a:endParaRPr kumimoji="1" lang="ja-JP" altLang="en-US"/>
+          </a:p>
+        </p:txBody>
+      </p:sp>
+    </p:spTree>
+    <p:extLst>
+      <p:ext uri="{BB962C8B-B14F-4D97-AF65-F5344CB8AC3E}">
+        <p14:creationId xmlns:p14="http://schemas.microsoft.com/office/powerpoint/2010/main" val="174358420"/>
+      </p:ext>
+    </p:extLst>
+  </p:cSld>
+  <p:clrMapOvr>
+    <a:masterClrMapping/>
+  </p:clrMapOvr>
+</p:notes>
+</file>
+
 <file path=ppt/slideLayouts/slideLayout1.xml><?xml version="1.0" encoding="utf-8"?>
 <p:sldLayout xmlns:a="http://schemas.openxmlformats.org/drawingml/2006/main" xmlns:r="http://schemas.openxmlformats.org/officeDocument/2006/relationships" xmlns:p="http://schemas.openxmlformats.org/presentationml/2006/main" preserve="1" userDrawn="1">
   <p:cSld name="タイトル スライド">
@@ -929,8 +1017,8 @@
           <a:p>
             <a:pPr algn="ctr"/>
             <a:r>
-              <a:rPr kumimoji="1" lang="en-US" altLang="ja-JP" sz="1400" dirty="0"/>
-              <a:t>32</a:t>
+              <a:rPr kumimoji="1" lang="en-US" altLang="ja-JP" sz="1400"/>
+              <a:t>36</a:t>
             </a:r>
             <a:endParaRPr kumimoji="1" lang="ja-JP" altLang="en-US" sz="1400" dirty="0"/>
           </a:p>
@@ -10437,7 +10525,7 @@
           <p:cNvPr id="2" name="テキスト プレースホルダー 1">
             <a:extLst>
               <a:ext uri="{FF2B5EF4-FFF2-40B4-BE49-F238E27FC236}">
-                <a16:creationId xmlns:a16="http://schemas.microsoft.com/office/drawing/2014/main" id="{711D5A76-84B0-4555-916E-774FEF15B7A2}"/>
+                <a16:creationId xmlns:a16="http://schemas.microsoft.com/office/drawing/2014/main" id="{49424D0E-F09F-77F7-FC10-D2C683360CFF}"/>
               </a:ext>
             </a:extLst>
           </p:cNvPr>
@@ -10459,11 +10547,7 @@
             </a:r>
             <a:r>
               <a:rPr lang="en-US" altLang="ja-JP"/>
-              <a:t>2 - </a:t>
-            </a:r>
-            <a:r>
-              <a:rPr lang="ja-JP" altLang="en-US"/>
-              <a:t>レポート課題</a:t>
+              <a:t>2 - Step 6</a:t>
             </a:r>
             <a:endParaRPr kumimoji="1" lang="ja-JP" altLang="en-US"/>
           </a:p>
@@ -10474,7 +10558,7 @@
           <p:cNvPr id="3" name="テキスト ボックス 2">
             <a:extLst>
               <a:ext uri="{FF2B5EF4-FFF2-40B4-BE49-F238E27FC236}">
-                <a16:creationId xmlns:a16="http://schemas.microsoft.com/office/drawing/2014/main" id="{3D872DAB-1201-4ED4-BF9C-043A25575BB0}"/>
+                <a16:creationId xmlns:a16="http://schemas.microsoft.com/office/drawing/2014/main" id="{96E4F287-0EDC-FB70-D31C-AF55F5618AF7}"/>
               </a:ext>
             </a:extLst>
           </p:cNvPr>
@@ -10483,8 +10567,8 @@
         </p:nvSpPr>
         <p:spPr>
           <a:xfrm>
-            <a:off x="218088" y="1268760"/>
-            <a:ext cx="7689926" cy="2308324"/>
+            <a:off x="323528" y="1484784"/>
+            <a:ext cx="7685117" cy="954107"/>
           </a:xfrm>
           <a:prstGeom prst="rect">
             <a:avLst/>
@@ -10497,110 +10581,30 @@
           </a:bodyPr>
           <a:lstStyle/>
           <a:p>
-            <a:pPr marL="457200" indent="-457200">
-              <a:buAutoNum type="arabicPeriod"/>
-            </a:pPr>
-            <a:r>
-              <a:rPr kumimoji="1" lang="en-US" altLang="ja-JP" sz="2400" dirty="0" err="1"/>
+            <a:r>
+              <a:rPr kumimoji="1" lang="en-US" altLang="ja-JP" sz="2800"/>
               <a:t>first.ks</a:t>
             </a:r>
             <a:r>
-              <a:rPr lang="ja-JP" altLang="en-US" sz="2400" dirty="0"/>
-              <a:t>を書き換えてオリジナルのゲームを作成する</a:t>
-            </a:r>
-            <a:br>
-              <a:rPr lang="en-US" altLang="ja-JP" sz="2400" dirty="0"/>
-            </a:br>
-            <a:r>
-              <a:rPr lang="en-US" altLang="ja-JP" sz="2400" dirty="0"/>
-              <a:t>(</a:t>
-            </a:r>
-            <a:r>
-              <a:rPr lang="ja-JP" altLang="en-US" sz="2400" dirty="0"/>
-              <a:t>必要に応じて画像等も追加してよい</a:t>
-            </a:r>
-            <a:r>
-              <a:rPr lang="en-US" altLang="ja-JP" sz="2400" dirty="0"/>
-              <a:t>)</a:t>
-            </a:r>
-          </a:p>
-          <a:p>
-            <a:pPr marL="457200" indent="-457200">
-              <a:buAutoNum type="arabicPeriod"/>
-            </a:pPr>
-            <a:r>
-              <a:rPr kumimoji="1" lang="ja-JP" altLang="en-US" sz="2400" dirty="0"/>
-              <a:t>ローカル</a:t>
-            </a:r>
-            <a:r>
-              <a:rPr kumimoji="1" lang="en-US" altLang="ja-JP" sz="2400" dirty="0"/>
-              <a:t>(Live Server)</a:t>
-            </a:r>
-            <a:r>
-              <a:rPr kumimoji="1" lang="ja-JP" altLang="en-US" sz="2400" dirty="0"/>
-              <a:t>で動作確認する</a:t>
-            </a:r>
-            <a:endParaRPr lang="en-US" altLang="ja-JP" sz="2400" dirty="0"/>
-          </a:p>
-          <a:p>
-            <a:pPr marL="457200" indent="-457200">
-              <a:buAutoNum type="arabicPeriod"/>
-            </a:pPr>
-            <a:r>
-              <a:rPr lang="en-US" altLang="ja-JP" sz="2400" dirty="0"/>
-              <a:t>git add, commit, push</a:t>
-            </a:r>
-            <a:r>
-              <a:rPr lang="ja-JP" altLang="en-US" sz="2400" dirty="0"/>
-              <a:t>する</a:t>
-            </a:r>
-            <a:endParaRPr lang="en-US" altLang="ja-JP" sz="2400" dirty="0"/>
-          </a:p>
-          <a:p>
-            <a:pPr marL="457200" indent="-457200">
-              <a:buAutoNum type="arabicPeriod"/>
-            </a:pPr>
-            <a:r>
-              <a:rPr kumimoji="1" lang="en-US" altLang="ja-JP" sz="2400" dirty="0"/>
-              <a:t>GitHub Pages</a:t>
-            </a:r>
-            <a:r>
-              <a:rPr kumimoji="1" lang="ja-JP" altLang="en-US" sz="2400" dirty="0"/>
-              <a:t>で動作確認する</a:t>
-            </a:r>
-            <a:br>
-              <a:rPr kumimoji="1" lang="en-US" altLang="ja-JP" sz="2400" dirty="0"/>
-            </a:br>
-            <a:r>
-              <a:rPr kumimoji="1" lang="en-US" altLang="ja-JP" sz="2400" dirty="0"/>
-              <a:t>(</a:t>
-            </a:r>
-            <a:r>
-              <a:rPr kumimoji="1" lang="ja-JP" altLang="en-US" sz="2400" dirty="0"/>
-              <a:t>最後に</a:t>
-            </a:r>
-            <a:r>
-              <a:rPr kumimoji="1" lang="en-US" altLang="ja-JP" sz="2400" dirty="0"/>
-              <a:t>push</a:t>
-            </a:r>
-            <a:r>
-              <a:rPr kumimoji="1" lang="ja-JP" altLang="en-US" sz="2400" dirty="0"/>
-              <a:t>してから反映されるまでに数分かかる</a:t>
-            </a:r>
-            <a:r>
-              <a:rPr kumimoji="1" lang="en-US" altLang="ja-JP" sz="2400" dirty="0"/>
-              <a:t>)</a:t>
-            </a:r>
-            <a:endParaRPr kumimoji="1" lang="ja-JP" altLang="en-US" sz="2400" dirty="0"/>
-          </a:p>
-        </p:txBody>
-      </p:sp>
-      <p:sp>
-        <p:nvSpPr>
-          <p:cNvPr id="5" name="テキスト ボックス 4">
-            <a:extLst>
-              <a:ext uri="{FF2B5EF4-FFF2-40B4-BE49-F238E27FC236}">
-                <a16:creationId xmlns:a16="http://schemas.microsoft.com/office/drawing/2014/main" id="{2C0CF701-E68D-42DD-9826-6DE8F46278B7}"/>
+              <a:rPr kumimoji="1" lang="ja-JP" altLang="en-US" sz="2800"/>
+              <a:t>を修正し、オリジナルゲームを作成する</a:t>
+            </a:r>
+            <a:endParaRPr kumimoji="1" lang="en-US" altLang="ja-JP" sz="2800"/>
+          </a:p>
+          <a:p>
+            <a:r>
+              <a:rPr kumimoji="1" lang="ja-JP" altLang="en-US" sz="2800"/>
+              <a:t>必要に応じて画像ファイルを追加する</a:t>
+            </a:r>
+          </a:p>
+        </p:txBody>
+      </p:sp>
+      <p:sp>
+        <p:nvSpPr>
+          <p:cNvPr id="4" name="テキスト ボックス 3">
+            <a:extLst>
+              <a:ext uri="{FF2B5EF4-FFF2-40B4-BE49-F238E27FC236}">
+                <a16:creationId xmlns:a16="http://schemas.microsoft.com/office/drawing/2014/main" id="{8D460127-B5EF-34A8-3B77-14F045DAA8A0}"/>
               </a:ext>
             </a:extLst>
           </p:cNvPr>
@@ -10609,8 +10613,324 @@
         </p:nvSpPr>
         <p:spPr>
           <a:xfrm>
-            <a:off x="611560" y="4365104"/>
-            <a:ext cx="7992888" cy="523220"/>
+            <a:off x="395536" y="2996952"/>
+            <a:ext cx="6873998" cy="461665"/>
+          </a:xfrm>
+          <a:prstGeom prst="rect">
+            <a:avLst/>
+          </a:prstGeom>
+          <a:noFill/>
+        </p:spPr>
+        <p:txBody>
+          <a:bodyPr wrap="none" rtlCol="0">
+            <a:spAutoFit/>
+          </a:bodyPr>
+          <a:lstStyle/>
+          <a:p>
+            <a:r>
+              <a:rPr lang="ja-JP" altLang="en-US" sz="2400"/>
+              <a:t>背景画像は </a:t>
+            </a:r>
+            <a:r>
+              <a:rPr lang="en-US" altLang="ja-JP" sz="2400"/>
+              <a:t>docs/data/bgimage</a:t>
+            </a:r>
+            <a:r>
+              <a:rPr lang="ja-JP" altLang="en-US" sz="2400"/>
+              <a:t>にファイルを置く</a:t>
+            </a:r>
+            <a:endParaRPr kumimoji="1" lang="ja-JP" altLang="en-US" sz="2400"/>
+          </a:p>
+        </p:txBody>
+      </p:sp>
+      <p:pic>
+        <p:nvPicPr>
+          <p:cNvPr id="8" name="図 7">
+            <a:extLst>
+              <a:ext uri="{FF2B5EF4-FFF2-40B4-BE49-F238E27FC236}">
+                <a16:creationId xmlns:a16="http://schemas.microsoft.com/office/drawing/2014/main" id="{CE0C31C3-F556-6329-B220-B6D1B96CCAD1}"/>
+              </a:ext>
+            </a:extLst>
+          </p:cNvPr>
+          <p:cNvPicPr>
+            <a:picLocks noChangeAspect="1"/>
+          </p:cNvPicPr>
+          <p:nvPr/>
+        </p:nvPicPr>
+        <p:blipFill>
+          <a:blip r:embed="rId2"/>
+          <a:stretch>
+            <a:fillRect/>
+          </a:stretch>
+        </p:blipFill>
+        <p:spPr>
+          <a:xfrm>
+            <a:off x="467544" y="4005064"/>
+            <a:ext cx="4562976" cy="2232248"/>
+          </a:xfrm>
+          <a:prstGeom prst="rect">
+            <a:avLst/>
+          </a:prstGeom>
+        </p:spPr>
+      </p:pic>
+      <p:sp>
+        <p:nvSpPr>
+          <p:cNvPr id="9" name="四角形: 角を丸くする 8">
+            <a:extLst>
+              <a:ext uri="{FF2B5EF4-FFF2-40B4-BE49-F238E27FC236}">
+                <a16:creationId xmlns:a16="http://schemas.microsoft.com/office/drawing/2014/main" id="{B5488461-A24A-6F2D-C040-FDA89B5D0659}"/>
+              </a:ext>
+            </a:extLst>
+          </p:cNvPr>
+          <p:cNvSpPr/>
+          <p:nvPr/>
+        </p:nvSpPr>
+        <p:spPr>
+          <a:xfrm>
+            <a:off x="899592" y="5157192"/>
+            <a:ext cx="1584176" cy="1080120"/>
+          </a:xfrm>
+          <a:prstGeom prst="roundRect">
+            <a:avLst/>
+          </a:prstGeom>
+          <a:noFill/>
+          <a:ln w="38100">
+            <a:solidFill>
+              <a:srgbClr val="FF0000"/>
+            </a:solidFill>
+          </a:ln>
+        </p:spPr>
+        <p:style>
+          <a:lnRef idx="2">
+            <a:schemeClr val="accent1">
+              <a:shade val="50000"/>
+            </a:schemeClr>
+          </a:lnRef>
+          <a:fillRef idx="1">
+            <a:schemeClr val="accent1"/>
+          </a:fillRef>
+          <a:effectRef idx="0">
+            <a:schemeClr val="accent1"/>
+          </a:effectRef>
+          <a:fontRef idx="minor">
+            <a:schemeClr val="lt1"/>
+          </a:fontRef>
+        </p:style>
+        <p:txBody>
+          <a:bodyPr rtlCol="0" anchor="ctr"/>
+          <a:lstStyle/>
+          <a:p>
+            <a:pPr algn="ctr"/>
+            <a:endParaRPr kumimoji="1" lang="ja-JP" altLang="en-US"/>
+          </a:p>
+        </p:txBody>
+      </p:sp>
+      <p:cxnSp>
+        <p:nvCxnSpPr>
+          <p:cNvPr id="11" name="コネクタ: カギ線 10">
+            <a:extLst>
+              <a:ext uri="{FF2B5EF4-FFF2-40B4-BE49-F238E27FC236}">
+                <a16:creationId xmlns:a16="http://schemas.microsoft.com/office/drawing/2014/main" id="{B3AB1027-261A-F195-7E51-614521ED80D7}"/>
+              </a:ext>
+            </a:extLst>
+          </p:cNvPr>
+          <p:cNvCxnSpPr>
+            <a:stCxn id="4" idx="3"/>
+            <a:endCxn id="9" idx="3"/>
+          </p:cNvCxnSpPr>
+          <p:nvPr/>
+        </p:nvCxnSpPr>
+        <p:spPr>
+          <a:xfrm flipH="1">
+            <a:off x="2483768" y="3227785"/>
+            <a:ext cx="4785766" cy="2469467"/>
+          </a:xfrm>
+          <a:prstGeom prst="bentConnector3">
+            <a:avLst>
+              <a:gd name="adj1" fmla="val -4777"/>
+            </a:avLst>
+          </a:prstGeom>
+          <a:ln>
+            <a:headEnd type="none" w="med" len="med"/>
+            <a:tailEnd type="triangle"/>
+          </a:ln>
+        </p:spPr>
+        <p:style>
+          <a:lnRef idx="1">
+            <a:schemeClr val="accent2"/>
+          </a:lnRef>
+          <a:fillRef idx="0">
+            <a:schemeClr val="accent2"/>
+          </a:fillRef>
+          <a:effectRef idx="0">
+            <a:schemeClr val="accent2"/>
+          </a:effectRef>
+          <a:fontRef idx="minor">
+            <a:schemeClr val="tx1"/>
+          </a:fontRef>
+        </p:style>
+      </p:cxnSp>
+    </p:spTree>
+    <p:extLst>
+      <p:ext uri="{BB962C8B-B14F-4D97-AF65-F5344CB8AC3E}">
+        <p14:creationId xmlns:p14="http://schemas.microsoft.com/office/powerpoint/2010/main" val="3205116124"/>
+      </p:ext>
+    </p:extLst>
+  </p:cSld>
+  <p:clrMapOvr>
+    <a:masterClrMapping/>
+  </p:clrMapOvr>
+</p:sld>
+</file>
+
+<file path=ppt/slides/slide33.xml><?xml version="1.0" encoding="utf-8"?>
+<p:sld xmlns:a="http://schemas.openxmlformats.org/drawingml/2006/main" xmlns:r="http://schemas.openxmlformats.org/officeDocument/2006/relationships" xmlns:p="http://schemas.openxmlformats.org/presentationml/2006/main">
+  <p:cSld>
+    <p:spTree>
+      <p:nvGrpSpPr>
+        <p:cNvPr id="1" name=""/>
+        <p:cNvGrpSpPr/>
+        <p:nvPr/>
+      </p:nvGrpSpPr>
+      <p:grpSpPr>
+        <a:xfrm>
+          <a:off x="0" y="0"/>
+          <a:ext cx="0" cy="0"/>
+          <a:chOff x="0" y="0"/>
+          <a:chExt cx="0" cy="0"/>
+        </a:xfrm>
+      </p:grpSpPr>
+      <p:sp>
+        <p:nvSpPr>
+          <p:cNvPr id="2" name="テキスト プレースホルダー 1">
+            <a:extLst>
+              <a:ext uri="{FF2B5EF4-FFF2-40B4-BE49-F238E27FC236}">
+                <a16:creationId xmlns:a16="http://schemas.microsoft.com/office/drawing/2014/main" id="{4557027D-2DCB-498C-3041-767FD1EC55FC}"/>
+              </a:ext>
+            </a:extLst>
+          </p:cNvPr>
+          <p:cNvSpPr>
+            <a:spLocks noGrp="1"/>
+          </p:cNvSpPr>
+          <p:nvPr>
+            <p:ph type="body" sz="quarter" idx="10"/>
+          </p:nvPr>
+        </p:nvSpPr>
+        <p:spPr/>
+        <p:txBody>
+          <a:bodyPr/>
+          <a:lstStyle/>
+          <a:p>
+            <a:r>
+              <a:rPr lang="ja-JP" altLang="en-US"/>
+              <a:t>課題</a:t>
+            </a:r>
+            <a:r>
+              <a:rPr lang="en-US" altLang="ja-JP"/>
+              <a:t>2 - Step 7</a:t>
+            </a:r>
+            <a:endParaRPr kumimoji="1" lang="ja-JP" altLang="en-US"/>
+          </a:p>
+        </p:txBody>
+      </p:sp>
+      <p:pic>
+        <p:nvPicPr>
+          <p:cNvPr id="9" name="図 8">
+            <a:extLst>
+              <a:ext uri="{FF2B5EF4-FFF2-40B4-BE49-F238E27FC236}">
+                <a16:creationId xmlns:a16="http://schemas.microsoft.com/office/drawing/2014/main" id="{8914ACC7-63F4-5652-F718-CE583E5B0BD4}"/>
+              </a:ext>
+            </a:extLst>
+          </p:cNvPr>
+          <p:cNvPicPr>
+            <a:picLocks noChangeAspect="1"/>
+          </p:cNvPicPr>
+          <p:nvPr/>
+        </p:nvPicPr>
+        <p:blipFill>
+          <a:blip r:embed="rId2"/>
+          <a:stretch>
+            <a:fillRect/>
+          </a:stretch>
+        </p:blipFill>
+        <p:spPr>
+          <a:xfrm>
+            <a:off x="395536" y="2348880"/>
+            <a:ext cx="6633765" cy="1713224"/>
+          </a:xfrm>
+          <a:prstGeom prst="rect">
+            <a:avLst/>
+          </a:prstGeom>
+        </p:spPr>
+      </p:pic>
+      <p:sp>
+        <p:nvSpPr>
+          <p:cNvPr id="10" name="四角形: 角を丸くする 9">
+            <a:extLst>
+              <a:ext uri="{FF2B5EF4-FFF2-40B4-BE49-F238E27FC236}">
+                <a16:creationId xmlns:a16="http://schemas.microsoft.com/office/drawing/2014/main" id="{1E2DA6CE-57BE-9A68-3C05-9B63743E3A5D}"/>
+              </a:ext>
+            </a:extLst>
+          </p:cNvPr>
+          <p:cNvSpPr/>
+          <p:nvPr/>
+        </p:nvSpPr>
+        <p:spPr>
+          <a:xfrm>
+            <a:off x="3059832" y="2492896"/>
+            <a:ext cx="504056" cy="504056"/>
+          </a:xfrm>
+          <a:prstGeom prst="roundRect">
+            <a:avLst/>
+          </a:prstGeom>
+          <a:noFill/>
+          <a:ln w="38100">
+            <a:solidFill>
+              <a:srgbClr val="FF0000"/>
+            </a:solidFill>
+          </a:ln>
+        </p:spPr>
+        <p:style>
+          <a:lnRef idx="2">
+            <a:schemeClr val="accent1">
+              <a:shade val="50000"/>
+            </a:schemeClr>
+          </a:lnRef>
+          <a:fillRef idx="1">
+            <a:schemeClr val="accent1"/>
+          </a:fillRef>
+          <a:effectRef idx="0">
+            <a:schemeClr val="accent1"/>
+          </a:effectRef>
+          <a:fontRef idx="minor">
+            <a:schemeClr val="lt1"/>
+          </a:fontRef>
+        </p:style>
+        <p:txBody>
+          <a:bodyPr rtlCol="0" anchor="ctr"/>
+          <a:lstStyle/>
+          <a:p>
+            <a:pPr algn="ctr"/>
+            <a:endParaRPr kumimoji="1" lang="ja-JP" altLang="en-US"/>
+          </a:p>
+        </p:txBody>
+      </p:sp>
+      <p:sp>
+        <p:nvSpPr>
+          <p:cNvPr id="12" name="テキスト ボックス 11">
+            <a:extLst>
+              <a:ext uri="{FF2B5EF4-FFF2-40B4-BE49-F238E27FC236}">
+                <a16:creationId xmlns:a16="http://schemas.microsoft.com/office/drawing/2014/main" id="{8527D627-2469-C737-19E2-CD3FC6F1343A}"/>
+              </a:ext>
+            </a:extLst>
+          </p:cNvPr>
+          <p:cNvSpPr txBox="1"/>
+          <p:nvPr/>
+        </p:nvSpPr>
+        <p:spPr>
+          <a:xfrm>
+            <a:off x="251520" y="1052736"/>
+            <a:ext cx="8424936" cy="523220"/>
           </a:xfrm>
           <a:prstGeom prst="rect">
             <a:avLst/>
@@ -10624,18 +10944,31 @@
           <a:lstStyle/>
           <a:p>
             <a:r>
+              <a:rPr lang="en-US" altLang="ja-JP" sz="2800"/>
+              <a:t>first.ks</a:t>
+            </a:r>
+            <a:r>
               <a:rPr lang="ja-JP" altLang="en-US" sz="2800"/>
-              <a:t>https://アカウント名.github.io/tyrano_sample/</a:t>
-            </a:r>
-          </a:p>
-        </p:txBody>
-      </p:sp>
-      <p:sp>
-        <p:nvSpPr>
-          <p:cNvPr id="6" name="テキスト ボックス 5">
-            <a:extLst>
-              <a:ext uri="{FF2B5EF4-FFF2-40B4-BE49-F238E27FC236}">
-                <a16:creationId xmlns:a16="http://schemas.microsoft.com/office/drawing/2014/main" id="{6758EECC-0447-454A-BBE6-1115270F7CD3}"/>
+              <a:t>の保存忘れに注意。</a:t>
+            </a:r>
+            <a:r>
+              <a:rPr lang="en-US" altLang="ja-JP" sz="2800"/>
+              <a:t>push</a:t>
+            </a:r>
+            <a:r>
+              <a:rPr lang="ja-JP" altLang="en-US" sz="2800"/>
+              <a:t>前に保存すること。</a:t>
+            </a:r>
+            <a:endParaRPr kumimoji="1" lang="ja-JP" altLang="en-US" sz="2800"/>
+          </a:p>
+        </p:txBody>
+      </p:sp>
+      <p:sp>
+        <p:nvSpPr>
+          <p:cNvPr id="13" name="テキスト ボックス 12">
+            <a:extLst>
+              <a:ext uri="{FF2B5EF4-FFF2-40B4-BE49-F238E27FC236}">
+                <a16:creationId xmlns:a16="http://schemas.microsoft.com/office/drawing/2014/main" id="{3BDFB70F-74EB-35E2-986C-1AB9441C5DDE}"/>
               </a:ext>
             </a:extLst>
           </p:cNvPr>
@@ -10644,8 +10977,8 @@
         </p:nvSpPr>
         <p:spPr>
           <a:xfrm>
-            <a:off x="251520" y="3717032"/>
-            <a:ext cx="6186309" cy="646331"/>
+            <a:off x="107504" y="1844824"/>
+            <a:ext cx="8650125" cy="400110"/>
           </a:xfrm>
           <a:prstGeom prst="rect">
             <a:avLst/>
@@ -10659,8 +10992,1074 @@
           <a:lstStyle/>
           <a:p>
             <a:r>
+              <a:rPr kumimoji="1" lang="en-US" altLang="ja-JP" sz="2000"/>
+              <a:t>VS Code</a:t>
+            </a:r>
+            <a:r>
+              <a:rPr kumimoji="1" lang="ja-JP" altLang="en-US" sz="2000"/>
+              <a:t>のファイル名のタブの隣が●になっていたら、保存されていない</a:t>
+            </a:r>
+          </a:p>
+        </p:txBody>
+      </p:sp>
+      <p:pic>
+        <p:nvPicPr>
+          <p:cNvPr id="15" name="図 14">
+            <a:extLst>
+              <a:ext uri="{FF2B5EF4-FFF2-40B4-BE49-F238E27FC236}">
+                <a16:creationId xmlns:a16="http://schemas.microsoft.com/office/drawing/2014/main" id="{18964949-2C2D-0D25-D3D3-2E6992045F56}"/>
+              </a:ext>
+            </a:extLst>
+          </p:cNvPr>
+          <p:cNvPicPr>
+            <a:picLocks noChangeAspect="1"/>
+          </p:cNvPicPr>
+          <p:nvPr/>
+        </p:nvPicPr>
+        <p:blipFill>
+          <a:blip r:embed="rId3"/>
+          <a:stretch>
+            <a:fillRect/>
+          </a:stretch>
+        </p:blipFill>
+        <p:spPr>
+          <a:xfrm>
+            <a:off x="395536" y="5013176"/>
+            <a:ext cx="6702281" cy="1584176"/>
+          </a:xfrm>
+          <a:prstGeom prst="rect">
+            <a:avLst/>
+          </a:prstGeom>
+        </p:spPr>
+      </p:pic>
+      <p:sp>
+        <p:nvSpPr>
+          <p:cNvPr id="16" name="四角形: 角を丸くする 15">
+            <a:extLst>
+              <a:ext uri="{FF2B5EF4-FFF2-40B4-BE49-F238E27FC236}">
+                <a16:creationId xmlns:a16="http://schemas.microsoft.com/office/drawing/2014/main" id="{7F03F20E-6A00-FCBE-4263-19B154E8A2CA}"/>
+              </a:ext>
+            </a:extLst>
+          </p:cNvPr>
+          <p:cNvSpPr/>
+          <p:nvPr/>
+        </p:nvSpPr>
+        <p:spPr>
+          <a:xfrm>
+            <a:off x="2843808" y="5157192"/>
+            <a:ext cx="504056" cy="504056"/>
+          </a:xfrm>
+          <a:prstGeom prst="roundRect">
+            <a:avLst/>
+          </a:prstGeom>
+          <a:noFill/>
+          <a:ln w="38100">
+            <a:solidFill>
+              <a:srgbClr val="FF0000"/>
+            </a:solidFill>
+          </a:ln>
+        </p:spPr>
+        <p:style>
+          <a:lnRef idx="2">
+            <a:schemeClr val="accent1">
+              <a:shade val="50000"/>
+            </a:schemeClr>
+          </a:lnRef>
+          <a:fillRef idx="1">
+            <a:schemeClr val="accent1"/>
+          </a:fillRef>
+          <a:effectRef idx="0">
+            <a:schemeClr val="accent1"/>
+          </a:effectRef>
+          <a:fontRef idx="minor">
+            <a:schemeClr val="lt1"/>
+          </a:fontRef>
+        </p:style>
+        <p:txBody>
+          <a:bodyPr rtlCol="0" anchor="ctr"/>
+          <a:lstStyle/>
+          <a:p>
+            <a:pPr algn="ctr"/>
+            <a:endParaRPr kumimoji="1" lang="ja-JP" altLang="en-US"/>
+          </a:p>
+        </p:txBody>
+      </p:sp>
+      <p:sp>
+        <p:nvSpPr>
+          <p:cNvPr id="17" name="テキスト ボックス 16">
+            <a:extLst>
+              <a:ext uri="{FF2B5EF4-FFF2-40B4-BE49-F238E27FC236}">
+                <a16:creationId xmlns:a16="http://schemas.microsoft.com/office/drawing/2014/main" id="{1645D5B5-ED71-09AF-A108-B6E3FE262147}"/>
+              </a:ext>
+            </a:extLst>
+          </p:cNvPr>
+          <p:cNvSpPr txBox="1"/>
+          <p:nvPr/>
+        </p:nvSpPr>
+        <p:spPr>
+          <a:xfrm>
+            <a:off x="179512" y="4469050"/>
+            <a:ext cx="2920992" cy="400110"/>
+          </a:xfrm>
+          <a:prstGeom prst="rect">
+            <a:avLst/>
+          </a:prstGeom>
+          <a:noFill/>
+        </p:spPr>
+        <p:txBody>
+          <a:bodyPr wrap="none" rtlCol="0">
+            <a:spAutoFit/>
+          </a:bodyPr>
+          <a:lstStyle/>
+          <a:p>
+            <a:r>
+              <a:rPr kumimoji="1" lang="en-US" altLang="ja-JP" sz="2000"/>
+              <a:t>X</a:t>
+            </a:r>
+            <a:r>
+              <a:rPr kumimoji="1" lang="ja-JP" altLang="en-US" sz="2000"/>
+              <a:t>になっていたら</a:t>
+            </a:r>
+            <a:r>
+              <a:rPr lang="ja-JP" altLang="en-US" sz="2000"/>
+              <a:t>大丈夫</a:t>
+            </a:r>
+            <a:endParaRPr kumimoji="1" lang="ja-JP" altLang="en-US" sz="2000"/>
+          </a:p>
+        </p:txBody>
+      </p:sp>
+    </p:spTree>
+    <p:extLst>
+      <p:ext uri="{BB962C8B-B14F-4D97-AF65-F5344CB8AC3E}">
+        <p14:creationId xmlns:p14="http://schemas.microsoft.com/office/powerpoint/2010/main" val="3428738209"/>
+      </p:ext>
+    </p:extLst>
+  </p:cSld>
+  <p:clrMapOvr>
+    <a:masterClrMapping/>
+  </p:clrMapOvr>
+</p:sld>
+</file>
+
+<file path=ppt/slides/slide34.xml><?xml version="1.0" encoding="utf-8"?>
+<p:sld xmlns:a="http://schemas.openxmlformats.org/drawingml/2006/main" xmlns:r="http://schemas.openxmlformats.org/officeDocument/2006/relationships" xmlns:p="http://schemas.openxmlformats.org/presentationml/2006/main">
+  <p:cSld>
+    <p:spTree>
+      <p:nvGrpSpPr>
+        <p:cNvPr id="1" name=""/>
+        <p:cNvGrpSpPr/>
+        <p:nvPr/>
+      </p:nvGrpSpPr>
+      <p:grpSpPr>
+        <a:xfrm>
+          <a:off x="0" y="0"/>
+          <a:ext cx="0" cy="0"/>
+          <a:chOff x="0" y="0"/>
+          <a:chExt cx="0" cy="0"/>
+        </a:xfrm>
+      </p:grpSpPr>
+      <p:sp>
+        <p:nvSpPr>
+          <p:cNvPr id="2" name="テキスト プレースホルダー 1">
+            <a:extLst>
+              <a:ext uri="{FF2B5EF4-FFF2-40B4-BE49-F238E27FC236}">
+                <a16:creationId xmlns:a16="http://schemas.microsoft.com/office/drawing/2014/main" id="{F96770C1-35F2-FE68-2CAC-BA2DE31498B3}"/>
+              </a:ext>
+            </a:extLst>
+          </p:cNvPr>
+          <p:cNvSpPr>
+            <a:spLocks noGrp="1"/>
+          </p:cNvSpPr>
+          <p:nvPr>
+            <p:ph type="body" sz="quarter" idx="10"/>
+          </p:nvPr>
+        </p:nvSpPr>
+        <p:spPr/>
+        <p:txBody>
+          <a:bodyPr/>
+          <a:lstStyle/>
+          <a:p>
+            <a:r>
+              <a:rPr lang="ja-JP" altLang="en-US"/>
+              <a:t>課題</a:t>
+            </a:r>
+            <a:r>
+              <a:rPr lang="en-US" altLang="ja-JP"/>
+              <a:t>2 - Step 7</a:t>
+            </a:r>
+            <a:endParaRPr kumimoji="1" lang="ja-JP" altLang="en-US"/>
+          </a:p>
+        </p:txBody>
+      </p:sp>
+      <p:sp>
+        <p:nvSpPr>
+          <p:cNvPr id="3" name="テキスト ボックス 2">
+            <a:extLst>
+              <a:ext uri="{FF2B5EF4-FFF2-40B4-BE49-F238E27FC236}">
+                <a16:creationId xmlns:a16="http://schemas.microsoft.com/office/drawing/2014/main" id="{16471432-847B-A38F-2278-22FC827AC9C4}"/>
+              </a:ext>
+            </a:extLst>
+          </p:cNvPr>
+          <p:cNvSpPr txBox="1"/>
+          <p:nvPr/>
+        </p:nvSpPr>
+        <p:spPr>
+          <a:xfrm>
+            <a:off x="251520" y="1211268"/>
+            <a:ext cx="8208912" cy="954107"/>
+          </a:xfrm>
+          <a:prstGeom prst="rect">
+            <a:avLst/>
+          </a:prstGeom>
+          <a:noFill/>
+        </p:spPr>
+        <p:txBody>
+          <a:bodyPr wrap="square" rtlCol="0">
+            <a:spAutoFit/>
+          </a:bodyPr>
+          <a:lstStyle/>
+          <a:p>
+            <a:r>
+              <a:rPr kumimoji="1" lang="en-US" altLang="ja-JP" sz="2800"/>
+              <a:t>Git Bash</a:t>
+            </a:r>
+            <a:r>
+              <a:rPr kumimoji="1" lang="ja-JP" altLang="en-US" sz="2800"/>
+              <a:t>で、カレントディレクトリが</a:t>
+            </a:r>
+            <a:r>
+              <a:rPr kumimoji="1" lang="en-US" altLang="ja-JP" sz="2800"/>
+              <a:t>/z/github/tyrano_sample</a:t>
+            </a:r>
+            <a:r>
+              <a:rPr kumimoji="1" lang="ja-JP" altLang="en-US" sz="2800"/>
+              <a:t>になっていることを確認</a:t>
+            </a:r>
+          </a:p>
+        </p:txBody>
+      </p:sp>
+      <p:sp>
+        <p:nvSpPr>
+          <p:cNvPr id="4" name="テキスト ボックス 3">
+            <a:extLst>
+              <a:ext uri="{FF2B5EF4-FFF2-40B4-BE49-F238E27FC236}">
+                <a16:creationId xmlns:a16="http://schemas.microsoft.com/office/drawing/2014/main" id="{7AE9E387-4F07-EC09-DA78-B9577DA061F2}"/>
+              </a:ext>
+            </a:extLst>
+          </p:cNvPr>
+          <p:cNvSpPr txBox="1"/>
+          <p:nvPr/>
+        </p:nvSpPr>
+        <p:spPr>
+          <a:xfrm>
+            <a:off x="251520" y="2492896"/>
+            <a:ext cx="3837910" cy="523220"/>
+          </a:xfrm>
+          <a:prstGeom prst="rect">
+            <a:avLst/>
+          </a:prstGeom>
+          <a:noFill/>
+        </p:spPr>
+        <p:txBody>
+          <a:bodyPr wrap="none" rtlCol="0">
+            <a:spAutoFit/>
+          </a:bodyPr>
+          <a:lstStyle/>
+          <a:p>
+            <a:r>
+              <a:rPr kumimoji="1" lang="ja-JP" altLang="en-US" sz="2800"/>
+              <a:t>以下の手順で</a:t>
+            </a:r>
+            <a:r>
+              <a:rPr kumimoji="1" lang="en-US" altLang="ja-JP" sz="2800"/>
+              <a:t>push</a:t>
+            </a:r>
+            <a:r>
+              <a:rPr kumimoji="1" lang="ja-JP" altLang="en-US" sz="2800"/>
+              <a:t>する</a:t>
+            </a:r>
+          </a:p>
+        </p:txBody>
+      </p:sp>
+      <p:sp>
+        <p:nvSpPr>
+          <p:cNvPr id="5" name="テキスト ボックス 4">
+            <a:extLst>
+              <a:ext uri="{FF2B5EF4-FFF2-40B4-BE49-F238E27FC236}">
+                <a16:creationId xmlns:a16="http://schemas.microsoft.com/office/drawing/2014/main" id="{823225D7-A43A-6048-9EE2-C2048CA5B6F4}"/>
+              </a:ext>
+            </a:extLst>
+          </p:cNvPr>
+          <p:cNvSpPr txBox="1"/>
+          <p:nvPr/>
+        </p:nvSpPr>
+        <p:spPr>
+          <a:xfrm>
+            <a:off x="323528" y="3212976"/>
+            <a:ext cx="5544616" cy="1569660"/>
+          </a:xfrm>
+          <a:prstGeom prst="rect">
+            <a:avLst/>
+          </a:prstGeom>
+          <a:noFill/>
+          <a:ln>
+            <a:solidFill>
+              <a:schemeClr val="tx1"/>
+            </a:solidFill>
+          </a:ln>
+        </p:spPr>
+        <p:txBody>
+          <a:bodyPr wrap="square">
+            <a:spAutoFit/>
+          </a:bodyPr>
+          <a:lstStyle/>
+          <a:p>
+            <a:r>
+              <a:rPr lang="en-US" altLang="ja-JP" sz="3200">
+                <a:latin typeface="Consolas" panose="020B0609020204030204" pitchFamily="49" charset="0"/>
+              </a:rPr>
+              <a:t>git</a:t>
+            </a:r>
+            <a:r>
+              <a:rPr lang="ja-JP" altLang="en-US" sz="3200">
+                <a:latin typeface="Consolas" panose="020B0609020204030204" pitchFamily="49" charset="0"/>
+              </a:rPr>
+              <a:t> </a:t>
+            </a:r>
+            <a:r>
+              <a:rPr lang="en-US" altLang="ja-JP" sz="3200">
+                <a:latin typeface="Consolas" panose="020B0609020204030204" pitchFamily="49" charset="0"/>
+              </a:rPr>
+              <a:t>add</a:t>
+            </a:r>
+            <a:r>
+              <a:rPr lang="ja-JP" altLang="en-US" sz="3200">
+                <a:latin typeface="Consolas" panose="020B0609020204030204" pitchFamily="49" charset="0"/>
+              </a:rPr>
+              <a:t> </a:t>
+            </a:r>
+            <a:r>
+              <a:rPr lang="en-US" altLang="ja-JP" sz="3200">
+                <a:latin typeface="Consolas" panose="020B0609020204030204" pitchFamily="49" charset="0"/>
+              </a:rPr>
+              <a:t>.</a:t>
+            </a:r>
+          </a:p>
+          <a:p>
+            <a:r>
+              <a:rPr lang="en-US" altLang="ja-JP" sz="3200">
+                <a:latin typeface="Consolas" panose="020B0609020204030204" pitchFamily="49" charset="0"/>
+              </a:rPr>
+              <a:t>git commit -m “updates”</a:t>
+            </a:r>
+          </a:p>
+          <a:p>
+            <a:r>
+              <a:rPr lang="en-US" altLang="ja-JP" sz="3200">
+                <a:latin typeface="Consolas" panose="020B0609020204030204" pitchFamily="49" charset="0"/>
+              </a:rPr>
+              <a:t>git push</a:t>
+            </a:r>
+            <a:endParaRPr lang="en-US" altLang="ja-JP" sz="3200" dirty="0">
+              <a:latin typeface="Consolas" panose="020B0609020204030204" pitchFamily="49" charset="0"/>
+            </a:endParaRPr>
+          </a:p>
+        </p:txBody>
+      </p:sp>
+    </p:spTree>
+    <p:extLst>
+      <p:ext uri="{BB962C8B-B14F-4D97-AF65-F5344CB8AC3E}">
+        <p14:creationId xmlns:p14="http://schemas.microsoft.com/office/powerpoint/2010/main" val="1242742599"/>
+      </p:ext>
+    </p:extLst>
+  </p:cSld>
+  <p:clrMapOvr>
+    <a:masterClrMapping/>
+  </p:clrMapOvr>
+</p:sld>
+</file>
+
+<file path=ppt/slides/slide35.xml><?xml version="1.0" encoding="utf-8"?>
+<p:sld xmlns:a="http://schemas.openxmlformats.org/drawingml/2006/main" xmlns:r="http://schemas.openxmlformats.org/officeDocument/2006/relationships" xmlns:p="http://schemas.openxmlformats.org/presentationml/2006/main">
+  <p:cSld>
+    <p:spTree>
+      <p:nvGrpSpPr>
+        <p:cNvPr id="1" name=""/>
+        <p:cNvGrpSpPr/>
+        <p:nvPr/>
+      </p:nvGrpSpPr>
+      <p:grpSpPr>
+        <a:xfrm>
+          <a:off x="0" y="0"/>
+          <a:ext cx="0" cy="0"/>
+          <a:chOff x="0" y="0"/>
+          <a:chExt cx="0" cy="0"/>
+        </a:xfrm>
+      </p:grpSpPr>
+      <p:sp>
+        <p:nvSpPr>
+          <p:cNvPr id="2" name="テキスト プレースホルダー 1">
+            <a:extLst>
+              <a:ext uri="{FF2B5EF4-FFF2-40B4-BE49-F238E27FC236}">
+                <a16:creationId xmlns:a16="http://schemas.microsoft.com/office/drawing/2014/main" id="{5061B170-2AA3-46CA-305C-3D7F065C2D26}"/>
+              </a:ext>
+            </a:extLst>
+          </p:cNvPr>
+          <p:cNvSpPr>
+            <a:spLocks noGrp="1"/>
+          </p:cNvSpPr>
+          <p:nvPr>
+            <p:ph type="body" sz="quarter" idx="10"/>
+          </p:nvPr>
+        </p:nvSpPr>
+        <p:spPr/>
+        <p:txBody>
+          <a:bodyPr/>
+          <a:lstStyle/>
+          <a:p>
+            <a:r>
+              <a:rPr lang="ja-JP" altLang="en-US"/>
+              <a:t>課題</a:t>
+            </a:r>
+            <a:r>
+              <a:rPr lang="en-US" altLang="ja-JP"/>
+              <a:t>2 - Step 7</a:t>
+            </a:r>
+            <a:endParaRPr kumimoji="1" lang="ja-JP" altLang="en-US"/>
+          </a:p>
+        </p:txBody>
+      </p:sp>
+      <p:pic>
+        <p:nvPicPr>
+          <p:cNvPr id="3" name="図 2">
+            <a:extLst>
+              <a:ext uri="{FF2B5EF4-FFF2-40B4-BE49-F238E27FC236}">
+                <a16:creationId xmlns:a16="http://schemas.microsoft.com/office/drawing/2014/main" id="{E8409A23-C472-E5BC-0730-74B02F3849EC}"/>
+              </a:ext>
+            </a:extLst>
+          </p:cNvPr>
+          <p:cNvPicPr>
+            <a:picLocks noChangeAspect="1"/>
+          </p:cNvPicPr>
+          <p:nvPr/>
+        </p:nvPicPr>
+        <p:blipFill>
+          <a:blip r:embed="rId2"/>
+          <a:stretch>
+            <a:fillRect/>
+          </a:stretch>
+        </p:blipFill>
+        <p:spPr>
+          <a:xfrm>
+            <a:off x="539552" y="1844824"/>
+            <a:ext cx="6624736" cy="4167746"/>
+          </a:xfrm>
+          <a:prstGeom prst="rect">
+            <a:avLst/>
+          </a:prstGeom>
+        </p:spPr>
+      </p:pic>
+      <p:sp>
+        <p:nvSpPr>
+          <p:cNvPr id="4" name="テキスト ボックス 3">
+            <a:extLst>
+              <a:ext uri="{FF2B5EF4-FFF2-40B4-BE49-F238E27FC236}">
+                <a16:creationId xmlns:a16="http://schemas.microsoft.com/office/drawing/2014/main" id="{4C4B814F-B9CB-C2AE-900B-E2FF82A9958D}"/>
+              </a:ext>
+            </a:extLst>
+          </p:cNvPr>
+          <p:cNvSpPr txBox="1"/>
+          <p:nvPr/>
+        </p:nvSpPr>
+        <p:spPr>
+          <a:xfrm>
+            <a:off x="395536" y="1052736"/>
+            <a:ext cx="4217821" cy="523220"/>
+          </a:xfrm>
+          <a:prstGeom prst="rect">
+            <a:avLst/>
+          </a:prstGeom>
+          <a:noFill/>
+        </p:spPr>
+        <p:txBody>
+          <a:bodyPr wrap="none" rtlCol="0">
+            <a:spAutoFit/>
+          </a:bodyPr>
+          <a:lstStyle/>
+          <a:p>
+            <a:r>
+              <a:rPr lang="en-US" altLang="ja-JP" sz="2800"/>
+              <a:t>GitHub Pages</a:t>
+            </a:r>
+            <a:r>
+              <a:rPr lang="ja-JP" altLang="en-US" sz="2800"/>
+              <a:t>で動作確認</a:t>
+            </a:r>
+            <a:endParaRPr kumimoji="1" lang="ja-JP" altLang="en-US" sz="2800"/>
+          </a:p>
+        </p:txBody>
+      </p:sp>
+      <p:sp>
+        <p:nvSpPr>
+          <p:cNvPr id="5" name="四角形: 角を丸くする 4">
+            <a:extLst>
+              <a:ext uri="{FF2B5EF4-FFF2-40B4-BE49-F238E27FC236}">
+                <a16:creationId xmlns:a16="http://schemas.microsoft.com/office/drawing/2014/main" id="{0319F53D-BAF1-3982-F5EC-04447833725B}"/>
+              </a:ext>
+            </a:extLst>
+          </p:cNvPr>
+          <p:cNvSpPr/>
+          <p:nvPr/>
+        </p:nvSpPr>
+        <p:spPr>
+          <a:xfrm>
+            <a:off x="4932040" y="2636912"/>
+            <a:ext cx="720080" cy="360040"/>
+          </a:xfrm>
+          <a:prstGeom prst="roundRect">
+            <a:avLst/>
+          </a:prstGeom>
+          <a:noFill/>
+          <a:ln w="38100">
+            <a:solidFill>
+              <a:srgbClr val="FF0000"/>
+            </a:solidFill>
+          </a:ln>
+        </p:spPr>
+        <p:style>
+          <a:lnRef idx="2">
+            <a:schemeClr val="accent1">
+              <a:shade val="50000"/>
+            </a:schemeClr>
+          </a:lnRef>
+          <a:fillRef idx="1">
+            <a:schemeClr val="accent1"/>
+          </a:fillRef>
+          <a:effectRef idx="0">
+            <a:schemeClr val="accent1"/>
+          </a:effectRef>
+          <a:fontRef idx="minor">
+            <a:schemeClr val="lt1"/>
+          </a:fontRef>
+        </p:style>
+        <p:txBody>
+          <a:bodyPr rtlCol="0" anchor="ctr"/>
+          <a:lstStyle/>
+          <a:p>
+            <a:pPr algn="ctr"/>
+            <a:endParaRPr kumimoji="1" lang="ja-JP" altLang="en-US"/>
+          </a:p>
+        </p:txBody>
+      </p:sp>
+      <p:sp>
+        <p:nvSpPr>
+          <p:cNvPr id="6" name="四角形: 角を丸くする 5">
+            <a:extLst>
+              <a:ext uri="{FF2B5EF4-FFF2-40B4-BE49-F238E27FC236}">
+                <a16:creationId xmlns:a16="http://schemas.microsoft.com/office/drawing/2014/main" id="{09152550-2461-04EE-7E34-EF83E6711CBE}"/>
+              </a:ext>
+            </a:extLst>
+          </p:cNvPr>
+          <p:cNvSpPr/>
+          <p:nvPr/>
+        </p:nvSpPr>
+        <p:spPr>
+          <a:xfrm>
+            <a:off x="611560" y="5301208"/>
+            <a:ext cx="720080" cy="360040"/>
+          </a:xfrm>
+          <a:prstGeom prst="roundRect">
+            <a:avLst/>
+          </a:prstGeom>
+          <a:noFill/>
+          <a:ln w="38100">
+            <a:solidFill>
+              <a:srgbClr val="FF0000"/>
+            </a:solidFill>
+          </a:ln>
+        </p:spPr>
+        <p:style>
+          <a:lnRef idx="2">
+            <a:schemeClr val="accent1">
+              <a:shade val="50000"/>
+            </a:schemeClr>
+          </a:lnRef>
+          <a:fillRef idx="1">
+            <a:schemeClr val="accent1"/>
+          </a:fillRef>
+          <a:effectRef idx="0">
+            <a:schemeClr val="accent1"/>
+          </a:effectRef>
+          <a:fontRef idx="minor">
+            <a:schemeClr val="lt1"/>
+          </a:fontRef>
+        </p:style>
+        <p:txBody>
+          <a:bodyPr rtlCol="0" anchor="ctr"/>
+          <a:lstStyle/>
+          <a:p>
+            <a:pPr algn="ctr"/>
+            <a:endParaRPr kumimoji="1" lang="ja-JP" altLang="en-US"/>
+          </a:p>
+        </p:txBody>
+      </p:sp>
+      <p:sp>
+        <p:nvSpPr>
+          <p:cNvPr id="7" name="四角形: 角を丸くする 6">
+            <a:extLst>
+              <a:ext uri="{FF2B5EF4-FFF2-40B4-BE49-F238E27FC236}">
+                <a16:creationId xmlns:a16="http://schemas.microsoft.com/office/drawing/2014/main" id="{254DCE4D-AFCB-D933-25FF-4E753C091F3B}"/>
+              </a:ext>
+            </a:extLst>
+          </p:cNvPr>
+          <p:cNvSpPr/>
+          <p:nvPr/>
+        </p:nvSpPr>
+        <p:spPr>
+          <a:xfrm>
+            <a:off x="5868144" y="3717032"/>
+            <a:ext cx="720080" cy="360040"/>
+          </a:xfrm>
+          <a:prstGeom prst="roundRect">
+            <a:avLst/>
+          </a:prstGeom>
+          <a:noFill/>
+          <a:ln w="38100">
+            <a:solidFill>
+              <a:srgbClr val="FF0000"/>
+            </a:solidFill>
+          </a:ln>
+        </p:spPr>
+        <p:style>
+          <a:lnRef idx="2">
+            <a:schemeClr val="accent1">
+              <a:shade val="50000"/>
+            </a:schemeClr>
+          </a:lnRef>
+          <a:fillRef idx="1">
+            <a:schemeClr val="accent1"/>
+          </a:fillRef>
+          <a:effectRef idx="0">
+            <a:schemeClr val="accent1"/>
+          </a:effectRef>
+          <a:fontRef idx="minor">
+            <a:schemeClr val="lt1"/>
+          </a:fontRef>
+        </p:style>
+        <p:txBody>
+          <a:bodyPr rtlCol="0" anchor="ctr"/>
+          <a:lstStyle/>
+          <a:p>
+            <a:pPr algn="ctr"/>
+            <a:endParaRPr kumimoji="1" lang="ja-JP" altLang="en-US"/>
+          </a:p>
+        </p:txBody>
+      </p:sp>
+      <p:sp>
+        <p:nvSpPr>
+          <p:cNvPr id="8" name="楕円 7">
+            <a:extLst>
+              <a:ext uri="{FF2B5EF4-FFF2-40B4-BE49-F238E27FC236}">
+                <a16:creationId xmlns:a16="http://schemas.microsoft.com/office/drawing/2014/main" id="{48626FCD-1F3D-1A6D-E405-94CE9FE7540E}"/>
+              </a:ext>
+            </a:extLst>
+          </p:cNvPr>
+          <p:cNvSpPr/>
+          <p:nvPr/>
+        </p:nvSpPr>
+        <p:spPr>
+          <a:xfrm>
+            <a:off x="4427984" y="2564904"/>
+            <a:ext cx="360040" cy="360040"/>
+          </a:xfrm>
+          <a:prstGeom prst="ellipse">
+            <a:avLst/>
+          </a:prstGeom>
+          <a:solidFill>
+            <a:srgbClr val="FF0000"/>
+          </a:solidFill>
+          <a:ln>
+            <a:solidFill>
+              <a:schemeClr val="tx1"/>
+            </a:solidFill>
+          </a:ln>
+        </p:spPr>
+        <p:style>
+          <a:lnRef idx="2">
+            <a:schemeClr val="accent1">
+              <a:shade val="50000"/>
+            </a:schemeClr>
+          </a:lnRef>
+          <a:fillRef idx="1">
+            <a:schemeClr val="accent1"/>
+          </a:fillRef>
+          <a:effectRef idx="0">
+            <a:schemeClr val="accent1"/>
+          </a:effectRef>
+          <a:fontRef idx="minor">
+            <a:schemeClr val="lt1"/>
+          </a:fontRef>
+        </p:style>
+        <p:txBody>
+          <a:bodyPr rtlCol="0" anchor="ctr"/>
+          <a:lstStyle/>
+          <a:p>
+            <a:pPr algn="ctr"/>
+            <a:r>
+              <a:rPr kumimoji="1" lang="en-US" altLang="ja-JP"/>
+              <a:t>1</a:t>
+            </a:r>
+            <a:endParaRPr kumimoji="1" lang="ja-JP" altLang="en-US"/>
+          </a:p>
+        </p:txBody>
+      </p:sp>
+      <p:sp>
+        <p:nvSpPr>
+          <p:cNvPr id="9" name="楕円 8">
+            <a:extLst>
+              <a:ext uri="{FF2B5EF4-FFF2-40B4-BE49-F238E27FC236}">
+                <a16:creationId xmlns:a16="http://schemas.microsoft.com/office/drawing/2014/main" id="{E4AD159B-1240-BCC8-62DC-07201F2C2CD5}"/>
+              </a:ext>
+            </a:extLst>
+          </p:cNvPr>
+          <p:cNvSpPr/>
+          <p:nvPr/>
+        </p:nvSpPr>
+        <p:spPr>
+          <a:xfrm>
+            <a:off x="251520" y="5301208"/>
+            <a:ext cx="360040" cy="360040"/>
+          </a:xfrm>
+          <a:prstGeom prst="ellipse">
+            <a:avLst/>
+          </a:prstGeom>
+          <a:solidFill>
+            <a:srgbClr val="FF0000"/>
+          </a:solidFill>
+          <a:ln>
+            <a:solidFill>
+              <a:schemeClr val="tx1"/>
+            </a:solidFill>
+          </a:ln>
+        </p:spPr>
+        <p:style>
+          <a:lnRef idx="2">
+            <a:schemeClr val="accent1">
+              <a:shade val="50000"/>
+            </a:schemeClr>
+          </a:lnRef>
+          <a:fillRef idx="1">
+            <a:schemeClr val="accent1"/>
+          </a:fillRef>
+          <a:effectRef idx="0">
+            <a:schemeClr val="accent1"/>
+          </a:effectRef>
+          <a:fontRef idx="minor">
+            <a:schemeClr val="lt1"/>
+          </a:fontRef>
+        </p:style>
+        <p:txBody>
+          <a:bodyPr rtlCol="0" anchor="ctr"/>
+          <a:lstStyle/>
+          <a:p>
+            <a:pPr algn="ctr"/>
+            <a:r>
+              <a:rPr lang="en-US" altLang="ja-JP"/>
+              <a:t>2</a:t>
+            </a:r>
+            <a:endParaRPr kumimoji="1" lang="ja-JP" altLang="en-US"/>
+          </a:p>
+        </p:txBody>
+      </p:sp>
+      <p:sp>
+        <p:nvSpPr>
+          <p:cNvPr id="10" name="楕円 9">
+            <a:extLst>
+              <a:ext uri="{FF2B5EF4-FFF2-40B4-BE49-F238E27FC236}">
+                <a16:creationId xmlns:a16="http://schemas.microsoft.com/office/drawing/2014/main" id="{F9A74FBD-0681-3EA8-DE84-E8245B19FAA0}"/>
+              </a:ext>
+            </a:extLst>
+          </p:cNvPr>
+          <p:cNvSpPr/>
+          <p:nvPr/>
+        </p:nvSpPr>
+        <p:spPr>
+          <a:xfrm>
+            <a:off x="5436096" y="3717032"/>
+            <a:ext cx="360040" cy="360040"/>
+          </a:xfrm>
+          <a:prstGeom prst="ellipse">
+            <a:avLst/>
+          </a:prstGeom>
+          <a:solidFill>
+            <a:srgbClr val="FF0000"/>
+          </a:solidFill>
+          <a:ln>
+            <a:solidFill>
+              <a:schemeClr val="tx1"/>
+            </a:solidFill>
+          </a:ln>
+        </p:spPr>
+        <p:style>
+          <a:lnRef idx="2">
+            <a:schemeClr val="accent1">
+              <a:shade val="50000"/>
+            </a:schemeClr>
+          </a:lnRef>
+          <a:fillRef idx="1">
+            <a:schemeClr val="accent1"/>
+          </a:fillRef>
+          <a:effectRef idx="0">
+            <a:schemeClr val="accent1"/>
+          </a:effectRef>
+          <a:fontRef idx="minor">
+            <a:schemeClr val="lt1"/>
+          </a:fontRef>
+        </p:style>
+        <p:txBody>
+          <a:bodyPr rtlCol="0" anchor="ctr"/>
+          <a:lstStyle/>
+          <a:p>
+            <a:pPr algn="ctr"/>
+            <a:r>
+              <a:rPr kumimoji="1" lang="en-US" altLang="ja-JP"/>
+              <a:t>3</a:t>
+            </a:r>
+            <a:endParaRPr kumimoji="1" lang="ja-JP" altLang="en-US"/>
+          </a:p>
+        </p:txBody>
+      </p:sp>
+      <p:sp>
+        <p:nvSpPr>
+          <p:cNvPr id="11" name="テキスト ボックス 10">
+            <a:extLst>
+              <a:ext uri="{FF2B5EF4-FFF2-40B4-BE49-F238E27FC236}">
+                <a16:creationId xmlns:a16="http://schemas.microsoft.com/office/drawing/2014/main" id="{7FCE051B-EBE3-E1F2-198F-92470D8C881D}"/>
+              </a:ext>
+            </a:extLst>
+          </p:cNvPr>
+          <p:cNvSpPr txBox="1"/>
+          <p:nvPr/>
+        </p:nvSpPr>
+        <p:spPr>
+          <a:xfrm>
+            <a:off x="251520" y="6237312"/>
+            <a:ext cx="7733848" cy="369332"/>
+          </a:xfrm>
+          <a:prstGeom prst="rect">
+            <a:avLst/>
+          </a:prstGeom>
+          <a:noFill/>
+        </p:spPr>
+        <p:txBody>
+          <a:bodyPr wrap="none" rtlCol="0">
+            <a:spAutoFit/>
+          </a:bodyPr>
+          <a:lstStyle/>
+          <a:p>
+            <a:r>
+              <a:rPr kumimoji="1" lang="en-US" altLang="ja-JP"/>
+              <a:t>Visit site</a:t>
+            </a:r>
+            <a:r>
+              <a:rPr kumimoji="1" lang="ja-JP" altLang="en-US"/>
+              <a:t>をクリックして現れたページで自分のゲームが表示されれば成功</a:t>
+            </a:r>
+          </a:p>
+        </p:txBody>
+      </p:sp>
+      <p:cxnSp>
+        <p:nvCxnSpPr>
+          <p:cNvPr id="13" name="コネクタ: カギ線 12">
+            <a:extLst>
+              <a:ext uri="{FF2B5EF4-FFF2-40B4-BE49-F238E27FC236}">
+                <a16:creationId xmlns:a16="http://schemas.microsoft.com/office/drawing/2014/main" id="{576FAAA8-692E-4F7B-DE83-9D9245934CDA}"/>
+              </a:ext>
+            </a:extLst>
+          </p:cNvPr>
+          <p:cNvCxnSpPr>
+            <a:stCxn id="11" idx="3"/>
+            <a:endCxn id="7" idx="3"/>
+          </p:cNvCxnSpPr>
+          <p:nvPr/>
+        </p:nvCxnSpPr>
+        <p:spPr>
+          <a:xfrm flipH="1" flipV="1">
+            <a:off x="6588224" y="3897052"/>
+            <a:ext cx="1397144" cy="2524926"/>
+          </a:xfrm>
+          <a:prstGeom prst="bentConnector3">
+            <a:avLst>
+              <a:gd name="adj1" fmla="val -16362"/>
+            </a:avLst>
+          </a:prstGeom>
+          <a:ln>
+            <a:solidFill>
+              <a:schemeClr val="tx1"/>
+            </a:solidFill>
+            <a:headEnd type="none" w="med" len="med"/>
+            <a:tailEnd type="triangle"/>
+          </a:ln>
+        </p:spPr>
+        <p:style>
+          <a:lnRef idx="1">
+            <a:schemeClr val="accent1"/>
+          </a:lnRef>
+          <a:fillRef idx="0">
+            <a:schemeClr val="accent1"/>
+          </a:fillRef>
+          <a:effectRef idx="0">
+            <a:schemeClr val="accent1"/>
+          </a:effectRef>
+          <a:fontRef idx="minor">
+            <a:schemeClr val="tx1"/>
+          </a:fontRef>
+        </p:style>
+      </p:cxnSp>
+    </p:spTree>
+    <p:extLst>
+      <p:ext uri="{BB962C8B-B14F-4D97-AF65-F5344CB8AC3E}">
+        <p14:creationId xmlns:p14="http://schemas.microsoft.com/office/powerpoint/2010/main" val="1198013759"/>
+      </p:ext>
+    </p:extLst>
+  </p:cSld>
+  <p:clrMapOvr>
+    <a:masterClrMapping/>
+  </p:clrMapOvr>
+</p:sld>
+</file>
+
+<file path=ppt/slides/slide36.xml><?xml version="1.0" encoding="utf-8"?>
+<p:sld xmlns:a="http://schemas.openxmlformats.org/drawingml/2006/main" xmlns:r="http://schemas.openxmlformats.org/officeDocument/2006/relationships" xmlns:p="http://schemas.openxmlformats.org/presentationml/2006/main">
+  <p:cSld>
+    <p:spTree>
+      <p:nvGrpSpPr>
+        <p:cNvPr id="1" name=""/>
+        <p:cNvGrpSpPr/>
+        <p:nvPr/>
+      </p:nvGrpSpPr>
+      <p:grpSpPr>
+        <a:xfrm>
+          <a:off x="0" y="0"/>
+          <a:ext cx="0" cy="0"/>
+          <a:chOff x="0" y="0"/>
+          <a:chExt cx="0" cy="0"/>
+        </a:xfrm>
+      </p:grpSpPr>
+      <p:sp>
+        <p:nvSpPr>
+          <p:cNvPr id="2" name="テキスト プレースホルダー 1">
+            <a:extLst>
+              <a:ext uri="{FF2B5EF4-FFF2-40B4-BE49-F238E27FC236}">
+                <a16:creationId xmlns:a16="http://schemas.microsoft.com/office/drawing/2014/main" id="{711D5A76-84B0-4555-916E-774FEF15B7A2}"/>
+              </a:ext>
+            </a:extLst>
+          </p:cNvPr>
+          <p:cNvSpPr>
+            <a:spLocks noGrp="1"/>
+          </p:cNvSpPr>
+          <p:nvPr>
+            <p:ph type="body" sz="quarter" idx="10"/>
+          </p:nvPr>
+        </p:nvSpPr>
+        <p:spPr/>
+        <p:txBody>
+          <a:bodyPr/>
+          <a:lstStyle/>
+          <a:p>
+            <a:r>
+              <a:rPr lang="ja-JP" altLang="en-US"/>
+              <a:t>課題</a:t>
+            </a:r>
+            <a:r>
+              <a:rPr lang="en-US" altLang="ja-JP"/>
+              <a:t>2 - </a:t>
+            </a:r>
+            <a:r>
+              <a:rPr lang="ja-JP" altLang="en-US"/>
+              <a:t>レポート課題</a:t>
+            </a:r>
+            <a:endParaRPr kumimoji="1" lang="ja-JP" altLang="en-US"/>
+          </a:p>
+        </p:txBody>
+      </p:sp>
+      <p:sp>
+        <p:nvSpPr>
+          <p:cNvPr id="5" name="テキスト ボックス 4">
+            <a:extLst>
+              <a:ext uri="{FF2B5EF4-FFF2-40B4-BE49-F238E27FC236}">
+                <a16:creationId xmlns:a16="http://schemas.microsoft.com/office/drawing/2014/main" id="{2C0CF701-E68D-42DD-9826-6DE8F46278B7}"/>
+              </a:ext>
+            </a:extLst>
+          </p:cNvPr>
+          <p:cNvSpPr txBox="1"/>
+          <p:nvPr/>
+        </p:nvSpPr>
+        <p:spPr>
+          <a:xfrm>
+            <a:off x="467544" y="2924944"/>
+            <a:ext cx="7992888" cy="523220"/>
+          </a:xfrm>
+          <a:prstGeom prst="rect">
+            <a:avLst/>
+          </a:prstGeom>
+          <a:noFill/>
+        </p:spPr>
+        <p:txBody>
+          <a:bodyPr wrap="square">
+            <a:spAutoFit/>
+          </a:bodyPr>
+          <a:lstStyle/>
+          <a:p>
+            <a:r>
+              <a:rPr lang="ja-JP" altLang="en-US" sz="2800"/>
+              <a:t>https://アカウント名.github.io/tyrano_sample/</a:t>
+            </a:r>
+          </a:p>
+        </p:txBody>
+      </p:sp>
+      <p:sp>
+        <p:nvSpPr>
+          <p:cNvPr id="6" name="テキスト ボックス 5">
+            <a:extLst>
+              <a:ext uri="{FF2B5EF4-FFF2-40B4-BE49-F238E27FC236}">
+                <a16:creationId xmlns:a16="http://schemas.microsoft.com/office/drawing/2014/main" id="{6758EECC-0447-454A-BBE6-1115270F7CD3}"/>
+              </a:ext>
+            </a:extLst>
+          </p:cNvPr>
+          <p:cNvSpPr txBox="1"/>
+          <p:nvPr/>
+        </p:nvSpPr>
+        <p:spPr>
+          <a:xfrm>
+            <a:off x="395536" y="1484784"/>
+            <a:ext cx="6647974" cy="1200329"/>
+          </a:xfrm>
+          <a:prstGeom prst="rect">
+            <a:avLst/>
+          </a:prstGeom>
+          <a:noFill/>
+        </p:spPr>
+        <p:txBody>
+          <a:bodyPr wrap="none" rtlCol="0">
+            <a:spAutoFit/>
+          </a:bodyPr>
+          <a:lstStyle/>
+          <a:p>
+            <a:r>
+              <a:rPr kumimoji="1" lang="ja-JP" altLang="en-US" sz="3600"/>
+              <a:t>ゲームのスクリーンショットと</a:t>
+            </a:r>
+            <a:endParaRPr kumimoji="1" lang="en-US" altLang="ja-JP" sz="3600"/>
+          </a:p>
+          <a:p>
+            <a:r>
+              <a:rPr kumimoji="1" lang="ja-JP" altLang="en-US" sz="3600"/>
+              <a:t>以下</a:t>
+            </a:r>
+            <a:r>
               <a:rPr kumimoji="1" lang="ja-JP" altLang="en-US" sz="3600" dirty="0"/>
-              <a:t>以下の</a:t>
+              <a:t>の</a:t>
             </a:r>
             <a:r>
               <a:rPr lang="en-US" altLang="ja-JP" sz="3600" dirty="0"/>
@@ -10688,8 +12087,8 @@
         </p:nvSpPr>
         <p:spPr>
           <a:xfrm>
-            <a:off x="107504" y="5517232"/>
-            <a:ext cx="8280920" cy="1169551"/>
+            <a:off x="107504" y="4725144"/>
+            <a:ext cx="8352928" cy="1938992"/>
           </a:xfrm>
           <a:prstGeom prst="rect">
             <a:avLst/>
@@ -10707,7 +12106,7 @@
               <a:buChar char="•"/>
             </a:pPr>
             <a:r>
-              <a:rPr lang="ja-JP" altLang="en-US" sz="1400" dirty="0"/>
+              <a:rPr lang="ja-JP" altLang="en-US" sz="2000" dirty="0"/>
               <a:t>公序良俗に反するような内容にしてはならない。</a:t>
             </a:r>
           </a:p>
@@ -10717,19 +12116,19 @@
               <a:buChar char="•"/>
             </a:pPr>
             <a:r>
-              <a:rPr lang="en-US" altLang="ja-JP" sz="1400" dirty="0"/>
+              <a:rPr lang="en-US" altLang="ja-JP" sz="2000" dirty="0"/>
               <a:t>(</a:t>
             </a:r>
             <a:r>
-              <a:rPr lang="ja-JP" altLang="en-US" sz="1400" dirty="0"/>
+              <a:rPr lang="ja-JP" altLang="en-US" sz="2000" dirty="0"/>
               <a:t>たとえ友人であっても</a:t>
             </a:r>
             <a:r>
-              <a:rPr lang="en-US" altLang="ja-JP" sz="1400" dirty="0"/>
+              <a:rPr lang="en-US" altLang="ja-JP" sz="2000" dirty="0"/>
               <a:t>)</a:t>
             </a:r>
             <a:r>
-              <a:rPr lang="ja-JP" altLang="en-US" sz="1400" dirty="0"/>
+              <a:rPr lang="ja-JP" altLang="en-US" sz="2000" dirty="0"/>
               <a:t>特定個人を揶揄するような内容にしてはならない。有名人も題材としない。</a:t>
             </a:r>
           </a:p>
@@ -10739,10 +12138,18 @@
               <a:buChar char="•"/>
             </a:pPr>
             <a:r>
-              <a:rPr lang="ja-JP" altLang="en-US" sz="1400" dirty="0"/>
-              <a:t>画像を用いる場合は、ライセンスとして問題ないものを利用する。</a:t>
-            </a:r>
-            <a:endParaRPr lang="en-US" altLang="ja-JP" sz="1400" dirty="0"/>
+              <a:rPr lang="ja-JP" altLang="en-US" sz="2000" dirty="0"/>
+              <a:t>画像を用いる場合は</a:t>
+            </a:r>
+            <a:r>
+              <a:rPr lang="ja-JP" altLang="en-US" sz="2000"/>
+              <a:t>、ライセンスに問題</a:t>
+            </a:r>
+            <a:r>
+              <a:rPr lang="ja-JP" altLang="en-US" sz="2000" dirty="0"/>
+              <a:t>ないものを利用する。</a:t>
+            </a:r>
+            <a:endParaRPr lang="en-US" altLang="ja-JP" sz="2000" dirty="0"/>
           </a:p>
           <a:p>
             <a:pPr marL="285750" indent="-285750">
@@ -10750,7 +12157,7 @@
               <a:buChar char="•"/>
             </a:pPr>
             <a:r>
-              <a:rPr lang="ja-JP" altLang="en-US" sz="1400" dirty="0"/>
+              <a:rPr lang="ja-JP" altLang="en-US" sz="2000" dirty="0"/>
               <a:t>面白い作品は別の場所で紹介する可能性があるため、紹介されたくない場合はその旨をレポートに明記すること。</a:t>
             </a:r>
           </a:p>
@@ -10770,8 +12177,8 @@
         </p:nvSpPr>
         <p:spPr>
           <a:xfrm>
-            <a:off x="0" y="5013176"/>
-            <a:ext cx="1107996" cy="461665"/>
+            <a:off x="69756" y="4077072"/>
+            <a:ext cx="1261884" cy="523220"/>
           </a:xfrm>
           <a:prstGeom prst="rect">
             <a:avLst/>
@@ -10785,14 +12192,14 @@
           <a:lstStyle/>
           <a:p>
             <a:r>
-              <a:rPr lang="ja-JP" altLang="en-US" sz="2400">
+              <a:rPr lang="ja-JP" altLang="en-US" sz="2800">
                 <a:solidFill>
                   <a:srgbClr val="FF0000"/>
                 </a:solidFill>
               </a:rPr>
               <a:t>注意：</a:t>
             </a:r>
-            <a:endParaRPr kumimoji="1" lang="ja-JP" altLang="en-US" sz="2400">
+            <a:endParaRPr kumimoji="1" lang="ja-JP" altLang="en-US" sz="2800">
               <a:solidFill>
                 <a:srgbClr val="FF0000"/>
               </a:solidFill>

--- a/practice_github_advanced/fig/slide.pptx
+++ b/practice_github_advanced/fig/slide.pptx
@@ -242,7 +242,7 @@
           </a:lstStyle>
           <a:p>
             <a:fld id="{6B8D1B20-A248-FB47-8240-73C0C5F47C9D}" type="datetimeFigureOut">
-              <a:t>2022/11/12</a:t>
+              <a:t>2024/11/8</a:t>
             </a:fld>
             <a:endParaRPr kumimoji="1" lang="ja-JP" altLang="en-US"/>
           </a:p>
@@ -1649,45 +1649,12 @@
           <a:chExt cx="0" cy="0"/>
         </a:xfrm>
       </p:grpSpPr>
-      <p:sp>
-        <p:nvSpPr>
-          <p:cNvPr id="2" name="テキスト プレースホルダー 1">
-            <a:extLst>
-              <a:ext uri="{FF2B5EF4-FFF2-40B4-BE49-F238E27FC236}">
-                <a16:creationId xmlns:a16="http://schemas.microsoft.com/office/drawing/2014/main" id="{234DC477-A699-C523-2ED3-7B5F9268CF20}"/>
-              </a:ext>
-            </a:extLst>
-          </p:cNvPr>
-          <p:cNvSpPr>
-            <a:spLocks noGrp="1"/>
-          </p:cNvSpPr>
-          <p:nvPr>
-            <p:ph type="body" sz="quarter" idx="10"/>
-          </p:nvPr>
-        </p:nvSpPr>
-        <p:spPr/>
-        <p:txBody>
-          <a:bodyPr/>
-          <a:lstStyle/>
-          <a:p>
-            <a:r>
-              <a:rPr lang="ja-JP" altLang="en-US" dirty="0"/>
-              <a:t>課題</a:t>
-            </a:r>
-            <a:r>
-              <a:rPr lang="en-US" altLang="ja-JP" dirty="0"/>
-              <a:t>1 - Step 1</a:t>
-            </a:r>
-            <a:endParaRPr kumimoji="1" lang="ja-JP" altLang="en-US" dirty="0"/>
-          </a:p>
-        </p:txBody>
-      </p:sp>
       <p:pic>
         <p:nvPicPr>
-          <p:cNvPr id="4" name="図 3">
-            <a:extLst>
-              <a:ext uri="{FF2B5EF4-FFF2-40B4-BE49-F238E27FC236}">
-                <a16:creationId xmlns:a16="http://schemas.microsoft.com/office/drawing/2014/main" id="{8826F02D-21D4-47CC-F876-8897366C9F09}"/>
+          <p:cNvPr id="7" name="図 6">
+            <a:extLst>
+              <a:ext uri="{FF2B5EF4-FFF2-40B4-BE49-F238E27FC236}">
+                <a16:creationId xmlns:a16="http://schemas.microsoft.com/office/drawing/2014/main" id="{50A018E2-45F7-19F2-2864-7E4B656D5398}"/>
               </a:ext>
             </a:extLst>
           </p:cNvPr>
@@ -1704,8 +1671,8 @@
         </p:blipFill>
         <p:spPr>
           <a:xfrm>
-            <a:off x="131265" y="1916832"/>
-            <a:ext cx="3744416" cy="3107909"/>
+            <a:off x="16097" y="2276872"/>
+            <a:ext cx="3743777" cy="2743862"/>
           </a:xfrm>
           <a:prstGeom prst="rect">
             <a:avLst/>
@@ -1714,6 +1681,39 @@
       </p:pic>
       <p:sp>
         <p:nvSpPr>
+          <p:cNvPr id="2" name="テキスト プレースホルダー 1">
+            <a:extLst>
+              <a:ext uri="{FF2B5EF4-FFF2-40B4-BE49-F238E27FC236}">
+                <a16:creationId xmlns:a16="http://schemas.microsoft.com/office/drawing/2014/main" id="{234DC477-A699-C523-2ED3-7B5F9268CF20}"/>
+              </a:ext>
+            </a:extLst>
+          </p:cNvPr>
+          <p:cNvSpPr>
+            <a:spLocks noGrp="1"/>
+          </p:cNvSpPr>
+          <p:nvPr>
+            <p:ph type="body" sz="quarter" idx="10"/>
+          </p:nvPr>
+        </p:nvSpPr>
+        <p:spPr/>
+        <p:txBody>
+          <a:bodyPr/>
+          <a:lstStyle/>
+          <a:p>
+            <a:r>
+              <a:rPr lang="ja-JP" altLang="en-US" dirty="0"/>
+              <a:t>課題</a:t>
+            </a:r>
+            <a:r>
+              <a:rPr lang="en-US" altLang="ja-JP" dirty="0"/>
+              <a:t>1 - Step 1</a:t>
+            </a:r>
+            <a:endParaRPr kumimoji="1" lang="ja-JP" altLang="en-US" dirty="0"/>
+          </a:p>
+        </p:txBody>
+      </p:sp>
+      <p:sp>
+        <p:nvSpPr>
           <p:cNvPr id="5" name="四角形: 角を丸くする 4">
             <a:extLst>
               <a:ext uri="{FF2B5EF4-FFF2-40B4-BE49-F238E27FC236}">
@@ -1726,8 +1726,8 @@
         </p:nvSpPr>
         <p:spPr>
           <a:xfrm>
-            <a:off x="419297" y="4797152"/>
-            <a:ext cx="504056" cy="144016"/>
+            <a:off x="2915816" y="4725144"/>
+            <a:ext cx="432048" cy="144016"/>
           </a:xfrm>
           <a:prstGeom prst="roundRect">
             <a:avLst/>
@@ -1875,7 +1875,7 @@
           <a:p>
             <a:r>
               <a:rPr lang="ja-JP" altLang="en-US" dirty="0"/>
-              <a:t>自分のアカウントのリポジトリが</a:t>
+              <a:t>自分のアカウントにリポジトリが</a:t>
             </a:r>
             <a:endParaRPr lang="en-US" altLang="ja-JP" dirty="0"/>
           </a:p>
@@ -4318,7 +4318,7 @@
           <a:lstStyle/>
           <a:p>
             <a:r>
-              <a:rPr lang="ja-JP" altLang="en-US"/>
+              <a:rPr lang="ja-JP" altLang="en-US" dirty="0"/>
               <a:t>https://github.com/appi-github/tyrano_sample</a:t>
             </a:r>
           </a:p>
@@ -4450,45 +4450,12 @@
           <a:chExt cx="0" cy="0"/>
         </a:xfrm>
       </p:grpSpPr>
-      <p:sp>
-        <p:nvSpPr>
-          <p:cNvPr id="2" name="テキスト プレースホルダー 1">
-            <a:extLst>
-              <a:ext uri="{FF2B5EF4-FFF2-40B4-BE49-F238E27FC236}">
-                <a16:creationId xmlns:a16="http://schemas.microsoft.com/office/drawing/2014/main" id="{0186960E-25EF-3397-B016-9E71BBF77056}"/>
-              </a:ext>
-            </a:extLst>
-          </p:cNvPr>
-          <p:cNvSpPr>
-            <a:spLocks noGrp="1"/>
-          </p:cNvSpPr>
-          <p:nvPr>
-            <p:ph type="body" sz="quarter" idx="10"/>
-          </p:nvPr>
-        </p:nvSpPr>
-        <p:spPr/>
-        <p:txBody>
-          <a:bodyPr/>
-          <a:lstStyle/>
-          <a:p>
-            <a:r>
-              <a:rPr lang="ja-JP" altLang="en-US" dirty="0"/>
-              <a:t>課題</a:t>
-            </a:r>
-            <a:r>
-              <a:rPr lang="en-US" altLang="ja-JP" dirty="0"/>
-              <a:t>2 - Step 2</a:t>
-            </a:r>
-            <a:endParaRPr kumimoji="1" lang="ja-JP" altLang="en-US" dirty="0"/>
-          </a:p>
-        </p:txBody>
-      </p:sp>
       <p:pic>
         <p:nvPicPr>
-          <p:cNvPr id="4" name="図 3">
-            <a:extLst>
-              <a:ext uri="{FF2B5EF4-FFF2-40B4-BE49-F238E27FC236}">
-                <a16:creationId xmlns:a16="http://schemas.microsoft.com/office/drawing/2014/main" id="{F055454F-0954-4111-AF3A-7230F519B4F7}"/>
+          <p:cNvPr id="10" name="図 9">
+            <a:extLst>
+              <a:ext uri="{FF2B5EF4-FFF2-40B4-BE49-F238E27FC236}">
+                <a16:creationId xmlns:a16="http://schemas.microsoft.com/office/drawing/2014/main" id="{999F7510-B6E0-F3B9-8984-7475E31465DE}"/>
               </a:ext>
             </a:extLst>
           </p:cNvPr>
@@ -4505,14 +4472,47 @@
         </p:blipFill>
         <p:spPr>
           <a:xfrm>
-            <a:off x="899592" y="1844824"/>
-            <a:ext cx="7092280" cy="4290527"/>
+            <a:off x="611560" y="1772816"/>
+            <a:ext cx="6804248" cy="4394852"/>
           </a:xfrm>
           <a:prstGeom prst="rect">
             <a:avLst/>
           </a:prstGeom>
         </p:spPr>
       </p:pic>
+      <p:sp>
+        <p:nvSpPr>
+          <p:cNvPr id="2" name="テキスト プレースホルダー 1">
+            <a:extLst>
+              <a:ext uri="{FF2B5EF4-FFF2-40B4-BE49-F238E27FC236}">
+                <a16:creationId xmlns:a16="http://schemas.microsoft.com/office/drawing/2014/main" id="{0186960E-25EF-3397-B016-9E71BBF77056}"/>
+              </a:ext>
+            </a:extLst>
+          </p:cNvPr>
+          <p:cNvSpPr>
+            <a:spLocks noGrp="1"/>
+          </p:cNvSpPr>
+          <p:nvPr>
+            <p:ph type="body" sz="quarter" idx="10"/>
+          </p:nvPr>
+        </p:nvSpPr>
+        <p:spPr/>
+        <p:txBody>
+          <a:bodyPr/>
+          <a:lstStyle/>
+          <a:p>
+            <a:r>
+              <a:rPr lang="ja-JP" altLang="en-US" dirty="0"/>
+              <a:t>課題</a:t>
+            </a:r>
+            <a:r>
+              <a:rPr lang="en-US" altLang="ja-JP" dirty="0"/>
+              <a:t>2 - Step 2</a:t>
+            </a:r>
+            <a:endParaRPr kumimoji="1" lang="ja-JP" altLang="en-US" dirty="0"/>
+          </a:p>
+        </p:txBody>
+      </p:sp>
       <p:sp>
         <p:nvSpPr>
           <p:cNvPr id="5" name="テキスト ボックス 4">
@@ -4570,7 +4570,7 @@
         </p:nvSpPr>
         <p:spPr>
           <a:xfrm>
-            <a:off x="5652120" y="2348880"/>
+            <a:off x="5436096" y="2132856"/>
             <a:ext cx="720080" cy="288032"/>
           </a:xfrm>
           <a:prstGeom prst="roundRect">
@@ -4622,7 +4622,7 @@
         </p:nvSpPr>
         <p:spPr>
           <a:xfrm>
-            <a:off x="5220072" y="2276872"/>
+            <a:off x="5004048" y="2060848"/>
             <a:ext cx="360040" cy="360040"/>
           </a:xfrm>
           <a:prstGeom prst="ellipse">
@@ -4679,7 +4679,7 @@
         </p:nvSpPr>
         <p:spPr>
           <a:xfrm>
-            <a:off x="899592" y="5229200"/>
+            <a:off x="683568" y="5517232"/>
             <a:ext cx="720080" cy="288032"/>
           </a:xfrm>
           <a:prstGeom prst="roundRect">
@@ -4731,7 +4731,7 @@
         </p:nvSpPr>
         <p:spPr>
           <a:xfrm>
-            <a:off x="504056" y="5157192"/>
+            <a:off x="179512" y="5301208"/>
             <a:ext cx="360040" cy="360040"/>
           </a:xfrm>
           <a:prstGeom prst="ellipse">
@@ -4789,7 +4789,7 @@
         </p:nvSpPr>
         <p:spPr>
           <a:xfrm>
-            <a:off x="3131840" y="4941168"/>
+            <a:off x="2627784" y="4509120"/>
             <a:ext cx="720080" cy="288032"/>
           </a:xfrm>
           <a:prstGeom prst="roundRect">
@@ -4841,7 +4841,7 @@
         </p:nvSpPr>
         <p:spPr>
           <a:xfrm>
-            <a:off x="3923928" y="4941168"/>
+            <a:off x="3419872" y="4509120"/>
             <a:ext cx="720080" cy="288032"/>
           </a:xfrm>
           <a:prstGeom prst="roundRect">
@@ -4893,7 +4893,7 @@
         </p:nvSpPr>
         <p:spPr>
           <a:xfrm>
-            <a:off x="4716016" y="4941168"/>
+            <a:off x="4211960" y="4509120"/>
             <a:ext cx="432048" cy="288032"/>
           </a:xfrm>
           <a:prstGeom prst="roundRect">
@@ -4945,7 +4945,7 @@
         </p:nvSpPr>
         <p:spPr>
           <a:xfrm>
-            <a:off x="3347864" y="5301208"/>
+            <a:off x="2843808" y="4869160"/>
             <a:ext cx="360040" cy="360040"/>
           </a:xfrm>
           <a:prstGeom prst="ellipse">
@@ -5003,7 +5003,7 @@
         </p:nvSpPr>
         <p:spPr>
           <a:xfrm>
-            <a:off x="4067944" y="5301208"/>
+            <a:off x="3563888" y="4869160"/>
             <a:ext cx="360040" cy="360040"/>
           </a:xfrm>
           <a:prstGeom prst="ellipse">
@@ -5061,7 +5061,7 @@
         </p:nvSpPr>
         <p:spPr>
           <a:xfrm>
-            <a:off x="4716016" y="5301208"/>
+            <a:off x="4211960" y="4869160"/>
             <a:ext cx="360040" cy="360040"/>
           </a:xfrm>
           <a:prstGeom prst="ellipse">
@@ -5135,45 +5135,12 @@
           <a:chExt cx="0" cy="0"/>
         </a:xfrm>
       </p:grpSpPr>
-      <p:sp>
-        <p:nvSpPr>
-          <p:cNvPr id="2" name="テキスト プレースホルダー 1">
-            <a:extLst>
-              <a:ext uri="{FF2B5EF4-FFF2-40B4-BE49-F238E27FC236}">
-                <a16:creationId xmlns:a16="http://schemas.microsoft.com/office/drawing/2014/main" id="{B35E5322-0F05-CEC8-95E6-F665D156146A}"/>
-              </a:ext>
-            </a:extLst>
-          </p:cNvPr>
-          <p:cNvSpPr>
-            <a:spLocks noGrp="1"/>
-          </p:cNvSpPr>
-          <p:nvPr>
-            <p:ph type="body" sz="quarter" idx="10"/>
-          </p:nvPr>
-        </p:nvSpPr>
-        <p:spPr/>
-        <p:txBody>
-          <a:bodyPr/>
-          <a:lstStyle/>
-          <a:p>
-            <a:r>
-              <a:rPr lang="ja-JP" altLang="en-US" dirty="0"/>
-              <a:t>課題</a:t>
-            </a:r>
-            <a:r>
-              <a:rPr lang="en-US" altLang="ja-JP" dirty="0"/>
-              <a:t>2 - Step 2</a:t>
-            </a:r>
-            <a:endParaRPr kumimoji="1" lang="ja-JP" altLang="en-US" dirty="0"/>
-          </a:p>
-        </p:txBody>
-      </p:sp>
       <p:pic>
         <p:nvPicPr>
-          <p:cNvPr id="4" name="図 3">
-            <a:extLst>
-              <a:ext uri="{FF2B5EF4-FFF2-40B4-BE49-F238E27FC236}">
-                <a16:creationId xmlns:a16="http://schemas.microsoft.com/office/drawing/2014/main" id="{663458CB-24F3-947B-20BA-6E1683444F76}"/>
+          <p:cNvPr id="9" name="図 8">
+            <a:extLst>
+              <a:ext uri="{FF2B5EF4-FFF2-40B4-BE49-F238E27FC236}">
+                <a16:creationId xmlns:a16="http://schemas.microsoft.com/office/drawing/2014/main" id="{9C91A637-76AF-AEBA-3A7F-A9141295F0AC}"/>
               </a:ext>
             </a:extLst>
           </p:cNvPr>
@@ -5190,14 +5157,47 @@
         </p:blipFill>
         <p:spPr>
           <a:xfrm>
-            <a:off x="611560" y="1340768"/>
-            <a:ext cx="7439803" cy="4680520"/>
+            <a:off x="323528" y="1556792"/>
+            <a:ext cx="7779656" cy="4302077"/>
           </a:xfrm>
           <a:prstGeom prst="rect">
             <a:avLst/>
           </a:prstGeom>
         </p:spPr>
       </p:pic>
+      <p:sp>
+        <p:nvSpPr>
+          <p:cNvPr id="2" name="テキスト プレースホルダー 1">
+            <a:extLst>
+              <a:ext uri="{FF2B5EF4-FFF2-40B4-BE49-F238E27FC236}">
+                <a16:creationId xmlns:a16="http://schemas.microsoft.com/office/drawing/2014/main" id="{B35E5322-0F05-CEC8-95E6-F665D156146A}"/>
+              </a:ext>
+            </a:extLst>
+          </p:cNvPr>
+          <p:cNvSpPr>
+            <a:spLocks noGrp="1"/>
+          </p:cNvSpPr>
+          <p:nvPr>
+            <p:ph type="body" sz="quarter" idx="10"/>
+          </p:nvPr>
+        </p:nvSpPr>
+        <p:spPr/>
+        <p:txBody>
+          <a:bodyPr/>
+          <a:lstStyle/>
+          <a:p>
+            <a:r>
+              <a:rPr lang="ja-JP" altLang="en-US" dirty="0"/>
+              <a:t>課題</a:t>
+            </a:r>
+            <a:r>
+              <a:rPr lang="en-US" altLang="ja-JP" dirty="0"/>
+              <a:t>2 - Step 2</a:t>
+            </a:r>
+            <a:endParaRPr kumimoji="1" lang="ja-JP" altLang="en-US" dirty="0"/>
+          </a:p>
+        </p:txBody>
+      </p:sp>
       <p:sp>
         <p:nvSpPr>
           <p:cNvPr id="5" name="テキスト ボックス 4">
@@ -5263,7 +5263,7 @@
         </p:nvSpPr>
         <p:spPr>
           <a:xfrm>
-            <a:off x="6660232" y="3573016"/>
+            <a:off x="6804248" y="3429000"/>
             <a:ext cx="720080" cy="288032"/>
           </a:xfrm>
           <a:prstGeom prst="roundRect">
@@ -5376,12 +5376,12 @@
         </p:nvCxnSpPr>
         <p:spPr>
           <a:xfrm flipH="1" flipV="1">
-            <a:off x="7380312" y="3717032"/>
-            <a:ext cx="620384" cy="2704946"/>
+            <a:off x="7524328" y="3573016"/>
+            <a:ext cx="476368" cy="2848962"/>
           </a:xfrm>
           <a:prstGeom prst="bentConnector3">
             <a:avLst>
-              <a:gd name="adj1" fmla="val -36848"/>
+              <a:gd name="adj1" fmla="val -47988"/>
             </a:avLst>
           </a:prstGeom>
           <a:ln>
@@ -5743,88 +5743,12 @@
           <a:chExt cx="0" cy="0"/>
         </a:xfrm>
       </p:grpSpPr>
-      <p:sp>
-        <p:nvSpPr>
-          <p:cNvPr id="2" name="テキスト プレースホルダー 1">
-            <a:extLst>
-              <a:ext uri="{FF2B5EF4-FFF2-40B4-BE49-F238E27FC236}">
-                <a16:creationId xmlns:a16="http://schemas.microsoft.com/office/drawing/2014/main" id="{812C5709-3489-431B-AAAC-E3096D65E9EC}"/>
-              </a:ext>
-            </a:extLst>
-          </p:cNvPr>
-          <p:cNvSpPr>
-            <a:spLocks noGrp="1"/>
-          </p:cNvSpPr>
-          <p:nvPr>
-            <p:ph type="body" sz="quarter" idx="10"/>
-          </p:nvPr>
-        </p:nvSpPr>
-        <p:spPr/>
-        <p:txBody>
-          <a:bodyPr/>
-          <a:lstStyle/>
-          <a:p>
-            <a:r>
-              <a:rPr lang="ja-JP" altLang="en-US"/>
-              <a:t>課題</a:t>
-            </a:r>
-            <a:r>
-              <a:rPr lang="en-US" altLang="ja-JP"/>
-              <a:t>2 - Step 3</a:t>
-            </a:r>
-            <a:endParaRPr kumimoji="1" lang="ja-JP" altLang="en-US"/>
-          </a:p>
-        </p:txBody>
-      </p:sp>
-      <p:sp>
-        <p:nvSpPr>
-          <p:cNvPr id="3" name="テキスト ボックス 2">
-            <a:extLst>
-              <a:ext uri="{FF2B5EF4-FFF2-40B4-BE49-F238E27FC236}">
-                <a16:creationId xmlns:a16="http://schemas.microsoft.com/office/drawing/2014/main" id="{5027C318-1CB1-41EB-900A-C2A174A886B7}"/>
-              </a:ext>
-            </a:extLst>
-          </p:cNvPr>
-          <p:cNvSpPr txBox="1"/>
-          <p:nvPr/>
-        </p:nvSpPr>
-        <p:spPr>
-          <a:xfrm>
-            <a:off x="179512" y="1052736"/>
-            <a:ext cx="8804013" cy="523220"/>
-          </a:xfrm>
-          <a:prstGeom prst="rect">
-            <a:avLst/>
-          </a:prstGeom>
-          <a:noFill/>
-        </p:spPr>
-        <p:txBody>
-          <a:bodyPr wrap="none" rtlCol="0">
-            <a:spAutoFit/>
-          </a:bodyPr>
-          <a:lstStyle/>
-          <a:p>
-            <a:r>
-              <a:rPr kumimoji="1" lang="ja-JP" altLang="en-US" sz="2800"/>
-              <a:t>リポジトリのクローンのため、リモート</a:t>
-            </a:r>
-            <a:r>
-              <a:rPr kumimoji="1" lang="en-US" altLang="ja-JP" sz="2800"/>
-              <a:t>URL</a:t>
-            </a:r>
-            <a:r>
-              <a:rPr kumimoji="1" lang="ja-JP" altLang="en-US" sz="2800"/>
-              <a:t>をコピー</a:t>
-            </a:r>
-          </a:p>
-        </p:txBody>
-      </p:sp>
       <p:pic>
         <p:nvPicPr>
-          <p:cNvPr id="5" name="図 4">
-            <a:extLst>
-              <a:ext uri="{FF2B5EF4-FFF2-40B4-BE49-F238E27FC236}">
-                <a16:creationId xmlns:a16="http://schemas.microsoft.com/office/drawing/2014/main" id="{F61664FD-C86F-41BB-8BE3-A5F85895CED8}"/>
+          <p:cNvPr id="6" name="図 5">
+            <a:extLst>
+              <a:ext uri="{FF2B5EF4-FFF2-40B4-BE49-F238E27FC236}">
+                <a16:creationId xmlns:a16="http://schemas.microsoft.com/office/drawing/2014/main" id="{AC85D889-0969-A12E-DEAD-CB7AF2D32D95}"/>
               </a:ext>
             </a:extLst>
           </p:cNvPr>
@@ -5841,8 +5765,8 @@
         </p:blipFill>
         <p:spPr>
           <a:xfrm>
-            <a:off x="467544" y="2636912"/>
-            <a:ext cx="7924995" cy="3888432"/>
+            <a:off x="395536" y="2420888"/>
+            <a:ext cx="7244137" cy="4293096"/>
           </a:xfrm>
           <a:prstGeom prst="rect">
             <a:avLst/>
@@ -5851,6 +5775,82 @@
       </p:pic>
       <p:sp>
         <p:nvSpPr>
+          <p:cNvPr id="2" name="テキスト プレースホルダー 1">
+            <a:extLst>
+              <a:ext uri="{FF2B5EF4-FFF2-40B4-BE49-F238E27FC236}">
+                <a16:creationId xmlns:a16="http://schemas.microsoft.com/office/drawing/2014/main" id="{812C5709-3489-431B-AAAC-E3096D65E9EC}"/>
+              </a:ext>
+            </a:extLst>
+          </p:cNvPr>
+          <p:cNvSpPr>
+            <a:spLocks noGrp="1"/>
+          </p:cNvSpPr>
+          <p:nvPr>
+            <p:ph type="body" sz="quarter" idx="10"/>
+          </p:nvPr>
+        </p:nvSpPr>
+        <p:spPr/>
+        <p:txBody>
+          <a:bodyPr/>
+          <a:lstStyle/>
+          <a:p>
+            <a:r>
+              <a:rPr lang="ja-JP" altLang="en-US"/>
+              <a:t>課題</a:t>
+            </a:r>
+            <a:r>
+              <a:rPr lang="en-US" altLang="ja-JP"/>
+              <a:t>2 - Step 3</a:t>
+            </a:r>
+            <a:endParaRPr kumimoji="1" lang="ja-JP" altLang="en-US"/>
+          </a:p>
+        </p:txBody>
+      </p:sp>
+      <p:sp>
+        <p:nvSpPr>
+          <p:cNvPr id="3" name="テキスト ボックス 2">
+            <a:extLst>
+              <a:ext uri="{FF2B5EF4-FFF2-40B4-BE49-F238E27FC236}">
+                <a16:creationId xmlns:a16="http://schemas.microsoft.com/office/drawing/2014/main" id="{5027C318-1CB1-41EB-900A-C2A174A886B7}"/>
+              </a:ext>
+            </a:extLst>
+          </p:cNvPr>
+          <p:cNvSpPr txBox="1"/>
+          <p:nvPr/>
+        </p:nvSpPr>
+        <p:spPr>
+          <a:xfrm>
+            <a:off x="179512" y="1052736"/>
+            <a:ext cx="8804013" cy="523220"/>
+          </a:xfrm>
+          <a:prstGeom prst="rect">
+            <a:avLst/>
+          </a:prstGeom>
+          <a:noFill/>
+        </p:spPr>
+        <p:txBody>
+          <a:bodyPr wrap="none" rtlCol="0">
+            <a:spAutoFit/>
+          </a:bodyPr>
+          <a:lstStyle/>
+          <a:p>
+            <a:r>
+              <a:rPr kumimoji="1" lang="ja-JP" altLang="en-US" sz="2800"/>
+              <a:t>リポジトリのクローンのため、リモート</a:t>
+            </a:r>
+            <a:r>
+              <a:rPr kumimoji="1" lang="en-US" altLang="ja-JP" sz="2800"/>
+              <a:t>URL</a:t>
+            </a:r>
+            <a:r>
+              <a:rPr kumimoji="1" lang="ja-JP" altLang="en-US" sz="2800"/>
+              <a:t>をコピー</a:t>
+            </a:r>
+          </a:p>
+        </p:txBody>
+      </p:sp>
+      <p:sp>
+        <p:nvSpPr>
           <p:cNvPr id="7" name="四角形: 角を丸くする 6">
             <a:extLst>
               <a:ext uri="{FF2B5EF4-FFF2-40B4-BE49-F238E27FC236}">
@@ -5863,8 +5863,8 @@
         </p:nvSpPr>
         <p:spPr>
           <a:xfrm>
-            <a:off x="611560" y="3068960"/>
-            <a:ext cx="1440160" cy="360040"/>
+            <a:off x="827584" y="2420888"/>
+            <a:ext cx="1944216" cy="360040"/>
           </a:xfrm>
           <a:prstGeom prst="roundRect">
             <a:avLst/>
@@ -5915,7 +5915,7 @@
         </p:nvSpPr>
         <p:spPr>
           <a:xfrm>
-            <a:off x="179512" y="3068960"/>
+            <a:off x="395536" y="2420888"/>
             <a:ext cx="360040" cy="360040"/>
           </a:xfrm>
           <a:prstGeom prst="ellipse">
@@ -5973,7 +5973,7 @@
         </p:nvSpPr>
         <p:spPr>
           <a:xfrm>
-            <a:off x="5220072" y="3789040"/>
+            <a:off x="4283968" y="3861048"/>
             <a:ext cx="360040" cy="360040"/>
           </a:xfrm>
           <a:prstGeom prst="ellipse">
@@ -6031,8 +6031,8 @@
         </p:nvSpPr>
         <p:spPr>
           <a:xfrm>
-            <a:off x="5220072" y="4149080"/>
-            <a:ext cx="720080" cy="360040"/>
+            <a:off x="4644008" y="3861048"/>
+            <a:ext cx="864096" cy="288032"/>
           </a:xfrm>
           <a:prstGeom prst="roundRect">
             <a:avLst/>
@@ -6083,7 +6083,7 @@
         </p:nvSpPr>
         <p:spPr>
           <a:xfrm>
-            <a:off x="3419872" y="4869160"/>
+            <a:off x="3131840" y="4941168"/>
             <a:ext cx="288032" cy="144016"/>
           </a:xfrm>
           <a:prstGeom prst="roundRect">
@@ -6135,7 +6135,7 @@
         </p:nvSpPr>
         <p:spPr>
           <a:xfrm>
-            <a:off x="3347864" y="4437112"/>
+            <a:off x="3059832" y="4509120"/>
             <a:ext cx="360040" cy="360040"/>
           </a:xfrm>
           <a:prstGeom prst="ellipse">
@@ -6193,8 +6193,8 @@
         </p:nvSpPr>
         <p:spPr>
           <a:xfrm>
-            <a:off x="5364088" y="5085184"/>
-            <a:ext cx="360040" cy="216024"/>
+            <a:off x="5076056" y="5239265"/>
+            <a:ext cx="336203" cy="277967"/>
           </a:xfrm>
           <a:prstGeom prst="roundRect">
             <a:avLst/>
@@ -6245,7 +6245,7 @@
         </p:nvSpPr>
         <p:spPr>
           <a:xfrm>
-            <a:off x="5292080" y="4653136"/>
+            <a:off x="5076056" y="4869160"/>
             <a:ext cx="360040" cy="360040"/>
           </a:xfrm>
           <a:prstGeom prst="ellipse">
